--- a/非受控文档/过程文档/UML/UML基础4/UML基础4.pptx
+++ b/非受控文档/过程文档/UML/UML基础4/UML基础4.pptx
@@ -5,69 +5,69 @@
     <p:sldMasterId id="2147483648" r:id="rId1"/>
   </p:sldMasterIdLst>
   <p:sldIdLst>
-    <p:sldId id="257" r:id="rId3"/>
-    <p:sldId id="258" r:id="rId4"/>
-    <p:sldId id="259" r:id="rId5"/>
-    <p:sldId id="260" r:id="rId6"/>
-    <p:sldId id="471" r:id="rId7"/>
-    <p:sldId id="459" r:id="rId8"/>
-    <p:sldId id="276" r:id="rId9"/>
-    <p:sldId id="468" r:id="rId10"/>
-    <p:sldId id="458" r:id="rId11"/>
-    <p:sldId id="470" r:id="rId12"/>
-    <p:sldId id="467" r:id="rId13"/>
-    <p:sldId id="289" r:id="rId14"/>
-    <p:sldId id="462" r:id="rId15"/>
-    <p:sldId id="473" r:id="rId16"/>
-    <p:sldId id="474" r:id="rId17"/>
-    <p:sldId id="475" r:id="rId18"/>
-    <p:sldId id="476" r:id="rId19"/>
-    <p:sldId id="291" r:id="rId20"/>
-    <p:sldId id="463" r:id="rId21"/>
-    <p:sldId id="479" r:id="rId22"/>
-    <p:sldId id="480" r:id="rId23"/>
-    <p:sldId id="481" r:id="rId24"/>
-    <p:sldId id="482" r:id="rId25"/>
-    <p:sldId id="484" r:id="rId26"/>
-    <p:sldId id="503" r:id="rId27"/>
-    <p:sldId id="301" r:id="rId28"/>
-    <p:sldId id="464" r:id="rId29"/>
-    <p:sldId id="485" r:id="rId30"/>
-    <p:sldId id="504" r:id="rId31"/>
-    <p:sldId id="308" r:id="rId32"/>
-    <p:sldId id="465" r:id="rId33"/>
-    <p:sldId id="511" r:id="rId34"/>
-    <p:sldId id="512" r:id="rId35"/>
-    <p:sldId id="513" r:id="rId36"/>
-    <p:sldId id="514" r:id="rId37"/>
-    <p:sldId id="472" r:id="rId38"/>
-    <p:sldId id="517" r:id="rId39"/>
-    <p:sldId id="518" r:id="rId40"/>
-    <p:sldId id="519" r:id="rId41"/>
-    <p:sldId id="520" r:id="rId42"/>
-    <p:sldId id="521" r:id="rId43"/>
-    <p:sldId id="522" r:id="rId44"/>
-    <p:sldId id="523" r:id="rId45"/>
-    <p:sldId id="524" r:id="rId46"/>
-    <p:sldId id="526" r:id="rId47"/>
-    <p:sldId id="533" r:id="rId48"/>
-    <p:sldId id="527" r:id="rId49"/>
-    <p:sldId id="528" r:id="rId50"/>
-    <p:sldId id="529" r:id="rId51"/>
-    <p:sldId id="530" r:id="rId52"/>
-    <p:sldId id="531" r:id="rId53"/>
-    <p:sldId id="532" r:id="rId54"/>
-    <p:sldId id="313" r:id="rId55"/>
-    <p:sldId id="546" r:id="rId56"/>
-    <p:sldId id="550" r:id="rId57"/>
-    <p:sldId id="551" r:id="rId58"/>
-    <p:sldId id="552" r:id="rId59"/>
-    <p:sldId id="553" r:id="rId60"/>
-    <p:sldId id="545" r:id="rId61"/>
-    <p:sldId id="450" r:id="rId62"/>
-    <p:sldId id="448" r:id="rId63"/>
-    <p:sldId id="449" r:id="rId64"/>
-    <p:sldId id="314" r:id="rId65"/>
+    <p:sldId id="257" r:id="rId2"/>
+    <p:sldId id="258" r:id="rId3"/>
+    <p:sldId id="259" r:id="rId4"/>
+    <p:sldId id="260" r:id="rId5"/>
+    <p:sldId id="471" r:id="rId6"/>
+    <p:sldId id="459" r:id="rId7"/>
+    <p:sldId id="276" r:id="rId8"/>
+    <p:sldId id="468" r:id="rId9"/>
+    <p:sldId id="458" r:id="rId10"/>
+    <p:sldId id="470" r:id="rId11"/>
+    <p:sldId id="467" r:id="rId12"/>
+    <p:sldId id="289" r:id="rId13"/>
+    <p:sldId id="462" r:id="rId14"/>
+    <p:sldId id="473" r:id="rId15"/>
+    <p:sldId id="474" r:id="rId16"/>
+    <p:sldId id="475" r:id="rId17"/>
+    <p:sldId id="476" r:id="rId18"/>
+    <p:sldId id="291" r:id="rId19"/>
+    <p:sldId id="463" r:id="rId20"/>
+    <p:sldId id="479" r:id="rId21"/>
+    <p:sldId id="480" r:id="rId22"/>
+    <p:sldId id="481" r:id="rId23"/>
+    <p:sldId id="482" r:id="rId24"/>
+    <p:sldId id="484" r:id="rId25"/>
+    <p:sldId id="503" r:id="rId26"/>
+    <p:sldId id="301" r:id="rId27"/>
+    <p:sldId id="464" r:id="rId28"/>
+    <p:sldId id="485" r:id="rId29"/>
+    <p:sldId id="504" r:id="rId30"/>
+    <p:sldId id="308" r:id="rId31"/>
+    <p:sldId id="465" r:id="rId32"/>
+    <p:sldId id="511" r:id="rId33"/>
+    <p:sldId id="512" r:id="rId34"/>
+    <p:sldId id="513" r:id="rId35"/>
+    <p:sldId id="514" r:id="rId36"/>
+    <p:sldId id="472" r:id="rId37"/>
+    <p:sldId id="517" r:id="rId38"/>
+    <p:sldId id="518" r:id="rId39"/>
+    <p:sldId id="519" r:id="rId40"/>
+    <p:sldId id="520" r:id="rId41"/>
+    <p:sldId id="521" r:id="rId42"/>
+    <p:sldId id="522" r:id="rId43"/>
+    <p:sldId id="523" r:id="rId44"/>
+    <p:sldId id="524" r:id="rId45"/>
+    <p:sldId id="526" r:id="rId46"/>
+    <p:sldId id="533" r:id="rId47"/>
+    <p:sldId id="527" r:id="rId48"/>
+    <p:sldId id="528" r:id="rId49"/>
+    <p:sldId id="529" r:id="rId50"/>
+    <p:sldId id="530" r:id="rId51"/>
+    <p:sldId id="531" r:id="rId52"/>
+    <p:sldId id="532" r:id="rId53"/>
+    <p:sldId id="313" r:id="rId54"/>
+    <p:sldId id="546" r:id="rId55"/>
+    <p:sldId id="550" r:id="rId56"/>
+    <p:sldId id="551" r:id="rId57"/>
+    <p:sldId id="552" r:id="rId58"/>
+    <p:sldId id="553" r:id="rId59"/>
+    <p:sldId id="545" r:id="rId60"/>
+    <p:sldId id="450" r:id="rId61"/>
+    <p:sldId id="448" r:id="rId62"/>
+    <p:sldId id="449" r:id="rId63"/>
+    <p:sldId id="314" r:id="rId64"/>
   </p:sldIdLst>
   <p:sldSz cx="12192000" cy="6858000"/>
   <p:notesSz cx="6858000" cy="9144000"/>
@@ -166,6 +166,11 @@
       </a:defRPr>
     </a:lvl9pPr>
   </p:defaultTextStyle>
+  <p:extLst>
+    <p:ext uri="{EFAFB233-063F-42B5-8137-9DF3F51BA10A}">
+      <p15:sldGuideLst xmlns:p15="http://schemas.microsoft.com/office/powerpoint/2012/main"/>
+    </p:ext>
+  </p:extLst>
 </p:presentation>
 </file>
 
@@ -214,7 +219,6 @@
               <a:rPr lang="zh-CN" altLang="en-US"/>
               <a:t>单击此处编辑母版标题样式</a:t>
             </a:r>
-            <a:endParaRPr lang="zh-CN" altLang="en-US"/>
           </a:p>
         </p:txBody>
       </p:sp>
@@ -279,7 +283,6 @@
               <a:rPr lang="zh-CN" altLang="en-US"/>
               <a:t>单击此处编辑母版副标题样式</a:t>
             </a:r>
-            <a:endParaRPr lang="zh-CN" altLang="en-US"/>
           </a:p>
         </p:txBody>
       </p:sp>
@@ -300,6 +303,7 @@
           <a:p>
             <a:fld id="{18E237BA-F988-49E5-B4AA-12EC24AF18D2}" type="datetimeFigureOut">
               <a:rPr lang="zh-CN" altLang="en-US" smtClean="0"/>
+              <a:t>2018/12/23</a:t>
             </a:fld>
             <a:endParaRPr lang="zh-CN" altLang="en-US"/>
           </a:p>
@@ -341,6 +345,7 @@
           <a:p>
             <a:fld id="{76D68C42-D84C-446F-A46B-E8BEB7185379}" type="slidenum">
               <a:rPr lang="zh-CN" altLang="en-US" smtClean="0"/>
+              <a:t>‹#›</a:t>
             </a:fld>
             <a:endParaRPr lang="zh-CN" altLang="en-US"/>
           </a:p>
@@ -390,7 +395,6 @@
               <a:rPr lang="zh-CN" altLang="en-US"/>
               <a:t>单击此处编辑母版标题样式</a:t>
             </a:r>
-            <a:endParaRPr lang="zh-CN" altLang="en-US"/>
           </a:p>
         </p:txBody>
       </p:sp>
@@ -414,7 +418,6 @@
               <a:rPr lang="zh-CN" altLang="en-US"/>
               <a:t>编辑母版文本样式</a:t>
             </a:r>
-            <a:endParaRPr lang="zh-CN" altLang="en-US"/>
           </a:p>
           <a:p>
             <a:pPr lvl="1"/>
@@ -422,7 +425,6 @@
               <a:rPr lang="zh-CN" altLang="en-US"/>
               <a:t>第二级</a:t>
             </a:r>
-            <a:endParaRPr lang="zh-CN" altLang="en-US"/>
           </a:p>
           <a:p>
             <a:pPr lvl="2"/>
@@ -430,7 +432,6 @@
               <a:rPr lang="zh-CN" altLang="en-US"/>
               <a:t>第三级</a:t>
             </a:r>
-            <a:endParaRPr lang="zh-CN" altLang="en-US"/>
           </a:p>
           <a:p>
             <a:pPr lvl="3"/>
@@ -438,7 +439,6 @@
               <a:rPr lang="zh-CN" altLang="en-US"/>
               <a:t>第四级</a:t>
             </a:r>
-            <a:endParaRPr lang="zh-CN" altLang="en-US"/>
           </a:p>
           <a:p>
             <a:pPr lvl="4"/>
@@ -446,7 +446,6 @@
               <a:rPr lang="zh-CN" altLang="en-US"/>
               <a:t>第五级</a:t>
             </a:r>
-            <a:endParaRPr lang="zh-CN" altLang="en-US"/>
           </a:p>
         </p:txBody>
       </p:sp>
@@ -467,6 +466,7 @@
           <a:p>
             <a:fld id="{18E237BA-F988-49E5-B4AA-12EC24AF18D2}" type="datetimeFigureOut">
               <a:rPr lang="zh-CN" altLang="en-US" smtClean="0"/>
+              <a:t>2018/12/23</a:t>
             </a:fld>
             <a:endParaRPr lang="zh-CN" altLang="en-US"/>
           </a:p>
@@ -508,6 +508,7 @@
           <a:p>
             <a:fld id="{76D68C42-D84C-446F-A46B-E8BEB7185379}" type="slidenum">
               <a:rPr lang="zh-CN" altLang="en-US" smtClean="0"/>
+              <a:t>‹#›</a:t>
             </a:fld>
             <a:endParaRPr lang="zh-CN" altLang="en-US"/>
           </a:p>
@@ -562,7 +563,6 @@
               <a:rPr lang="zh-CN" altLang="en-US"/>
               <a:t>单击此处编辑母版标题样式</a:t>
             </a:r>
-            <a:endParaRPr lang="zh-CN" altLang="en-US"/>
           </a:p>
         </p:txBody>
       </p:sp>
@@ -591,7 +591,6 @@
               <a:rPr lang="zh-CN" altLang="en-US"/>
               <a:t>编辑母版文本样式</a:t>
             </a:r>
-            <a:endParaRPr lang="zh-CN" altLang="en-US"/>
           </a:p>
           <a:p>
             <a:pPr lvl="1"/>
@@ -599,7 +598,6 @@
               <a:rPr lang="zh-CN" altLang="en-US"/>
               <a:t>第二级</a:t>
             </a:r>
-            <a:endParaRPr lang="zh-CN" altLang="en-US"/>
           </a:p>
           <a:p>
             <a:pPr lvl="2"/>
@@ -607,7 +605,6 @@
               <a:rPr lang="zh-CN" altLang="en-US"/>
               <a:t>第三级</a:t>
             </a:r>
-            <a:endParaRPr lang="zh-CN" altLang="en-US"/>
           </a:p>
           <a:p>
             <a:pPr lvl="3"/>
@@ -615,7 +612,6 @@
               <a:rPr lang="zh-CN" altLang="en-US"/>
               <a:t>第四级</a:t>
             </a:r>
-            <a:endParaRPr lang="zh-CN" altLang="en-US"/>
           </a:p>
           <a:p>
             <a:pPr lvl="4"/>
@@ -623,7 +619,6 @@
               <a:rPr lang="zh-CN" altLang="en-US"/>
               <a:t>第五级</a:t>
             </a:r>
-            <a:endParaRPr lang="zh-CN" altLang="en-US"/>
           </a:p>
         </p:txBody>
       </p:sp>
@@ -644,6 +639,7 @@
           <a:p>
             <a:fld id="{18E237BA-F988-49E5-B4AA-12EC24AF18D2}" type="datetimeFigureOut">
               <a:rPr lang="zh-CN" altLang="en-US" smtClean="0"/>
+              <a:t>2018/12/23</a:t>
             </a:fld>
             <a:endParaRPr lang="zh-CN" altLang="en-US"/>
           </a:p>
@@ -685,6 +681,7 @@
           <a:p>
             <a:fld id="{76D68C42-D84C-446F-A46B-E8BEB7185379}" type="slidenum">
               <a:rPr lang="zh-CN" altLang="en-US" smtClean="0"/>
+              <a:t>‹#›</a:t>
             </a:fld>
             <a:endParaRPr lang="zh-CN" altLang="en-US"/>
           </a:p>
@@ -734,7 +731,6 @@
               <a:rPr lang="zh-CN" altLang="en-US"/>
               <a:t>单击此处编辑母版标题样式</a:t>
             </a:r>
-            <a:endParaRPr lang="zh-CN" altLang="en-US"/>
           </a:p>
         </p:txBody>
       </p:sp>
@@ -758,7 +754,6 @@
               <a:rPr lang="zh-CN" altLang="en-US"/>
               <a:t>编辑母版文本样式</a:t>
             </a:r>
-            <a:endParaRPr lang="zh-CN" altLang="en-US"/>
           </a:p>
           <a:p>
             <a:pPr lvl="1"/>
@@ -766,7 +761,6 @@
               <a:rPr lang="zh-CN" altLang="en-US"/>
               <a:t>第二级</a:t>
             </a:r>
-            <a:endParaRPr lang="zh-CN" altLang="en-US"/>
           </a:p>
           <a:p>
             <a:pPr lvl="2"/>
@@ -774,7 +768,6 @@
               <a:rPr lang="zh-CN" altLang="en-US"/>
               <a:t>第三级</a:t>
             </a:r>
-            <a:endParaRPr lang="zh-CN" altLang="en-US"/>
           </a:p>
           <a:p>
             <a:pPr lvl="3"/>
@@ -782,7 +775,6 @@
               <a:rPr lang="zh-CN" altLang="en-US"/>
               <a:t>第四级</a:t>
             </a:r>
-            <a:endParaRPr lang="zh-CN" altLang="en-US"/>
           </a:p>
           <a:p>
             <a:pPr lvl="4"/>
@@ -790,7 +782,6 @@
               <a:rPr lang="zh-CN" altLang="en-US"/>
               <a:t>第五级</a:t>
             </a:r>
-            <a:endParaRPr lang="zh-CN" altLang="en-US"/>
           </a:p>
         </p:txBody>
       </p:sp>
@@ -811,6 +802,7 @@
           <a:p>
             <a:fld id="{18E237BA-F988-49E5-B4AA-12EC24AF18D2}" type="datetimeFigureOut">
               <a:rPr lang="zh-CN" altLang="en-US" smtClean="0"/>
+              <a:t>2018/12/23</a:t>
             </a:fld>
             <a:endParaRPr lang="zh-CN" altLang="en-US"/>
           </a:p>
@@ -852,6 +844,7 @@
           <a:p>
             <a:fld id="{76D68C42-D84C-446F-A46B-E8BEB7185379}" type="slidenum">
               <a:rPr lang="zh-CN" altLang="en-US" smtClean="0"/>
+              <a:t>‹#›</a:t>
             </a:fld>
             <a:endParaRPr lang="zh-CN" altLang="en-US"/>
           </a:p>
@@ -910,7 +903,6 @@
               <a:rPr lang="zh-CN" altLang="en-US"/>
               <a:t>单击此处编辑母版标题样式</a:t>
             </a:r>
-            <a:endParaRPr lang="zh-CN" altLang="en-US"/>
           </a:p>
         </p:txBody>
       </p:sp>
@@ -1030,7 +1022,6 @@
               <a:rPr lang="zh-CN" altLang="en-US"/>
               <a:t>编辑母版文本样式</a:t>
             </a:r>
-            <a:endParaRPr lang="zh-CN" altLang="en-US"/>
           </a:p>
         </p:txBody>
       </p:sp>
@@ -1051,6 +1042,7 @@
           <a:p>
             <a:fld id="{18E237BA-F988-49E5-B4AA-12EC24AF18D2}" type="datetimeFigureOut">
               <a:rPr lang="zh-CN" altLang="en-US" smtClean="0"/>
+              <a:t>2018/12/23</a:t>
             </a:fld>
             <a:endParaRPr lang="zh-CN" altLang="en-US"/>
           </a:p>
@@ -1092,6 +1084,7 @@
           <a:p>
             <a:fld id="{76D68C42-D84C-446F-A46B-E8BEB7185379}" type="slidenum">
               <a:rPr lang="zh-CN" altLang="en-US" smtClean="0"/>
+              <a:t>‹#›</a:t>
             </a:fld>
             <a:endParaRPr lang="zh-CN" altLang="en-US"/>
           </a:p>
@@ -1141,7 +1134,6 @@
               <a:rPr lang="zh-CN" altLang="en-US"/>
               <a:t>单击此处编辑母版标题样式</a:t>
             </a:r>
-            <a:endParaRPr lang="zh-CN" altLang="en-US"/>
           </a:p>
         </p:txBody>
       </p:sp>
@@ -1170,7 +1162,6 @@
               <a:rPr lang="zh-CN" altLang="en-US"/>
               <a:t>编辑母版文本样式</a:t>
             </a:r>
-            <a:endParaRPr lang="zh-CN" altLang="en-US"/>
           </a:p>
           <a:p>
             <a:pPr lvl="1"/>
@@ -1178,7 +1169,6 @@
               <a:rPr lang="zh-CN" altLang="en-US"/>
               <a:t>第二级</a:t>
             </a:r>
-            <a:endParaRPr lang="zh-CN" altLang="en-US"/>
           </a:p>
           <a:p>
             <a:pPr lvl="2"/>
@@ -1186,7 +1176,6 @@
               <a:rPr lang="zh-CN" altLang="en-US"/>
               <a:t>第三级</a:t>
             </a:r>
-            <a:endParaRPr lang="zh-CN" altLang="en-US"/>
           </a:p>
           <a:p>
             <a:pPr lvl="3"/>
@@ -1194,7 +1183,6 @@
               <a:rPr lang="zh-CN" altLang="en-US"/>
               <a:t>第四级</a:t>
             </a:r>
-            <a:endParaRPr lang="zh-CN" altLang="en-US"/>
           </a:p>
           <a:p>
             <a:pPr lvl="4"/>
@@ -1202,7 +1190,6 @@
               <a:rPr lang="zh-CN" altLang="en-US"/>
               <a:t>第五级</a:t>
             </a:r>
-            <a:endParaRPr lang="zh-CN" altLang="en-US"/>
           </a:p>
         </p:txBody>
       </p:sp>
@@ -1231,7 +1218,6 @@
               <a:rPr lang="zh-CN" altLang="en-US"/>
               <a:t>编辑母版文本样式</a:t>
             </a:r>
-            <a:endParaRPr lang="zh-CN" altLang="en-US"/>
           </a:p>
           <a:p>
             <a:pPr lvl="1"/>
@@ -1239,7 +1225,6 @@
               <a:rPr lang="zh-CN" altLang="en-US"/>
               <a:t>第二级</a:t>
             </a:r>
-            <a:endParaRPr lang="zh-CN" altLang="en-US"/>
           </a:p>
           <a:p>
             <a:pPr lvl="2"/>
@@ -1247,7 +1232,6 @@
               <a:rPr lang="zh-CN" altLang="en-US"/>
               <a:t>第三级</a:t>
             </a:r>
-            <a:endParaRPr lang="zh-CN" altLang="en-US"/>
           </a:p>
           <a:p>
             <a:pPr lvl="3"/>
@@ -1255,7 +1239,6 @@
               <a:rPr lang="zh-CN" altLang="en-US"/>
               <a:t>第四级</a:t>
             </a:r>
-            <a:endParaRPr lang="zh-CN" altLang="en-US"/>
           </a:p>
           <a:p>
             <a:pPr lvl="4"/>
@@ -1263,7 +1246,6 @@
               <a:rPr lang="zh-CN" altLang="en-US"/>
               <a:t>第五级</a:t>
             </a:r>
-            <a:endParaRPr lang="zh-CN" altLang="en-US"/>
           </a:p>
         </p:txBody>
       </p:sp>
@@ -1284,6 +1266,7 @@
           <a:p>
             <a:fld id="{18E237BA-F988-49E5-B4AA-12EC24AF18D2}" type="datetimeFigureOut">
               <a:rPr lang="zh-CN" altLang="en-US" smtClean="0"/>
+              <a:t>2018/12/23</a:t>
             </a:fld>
             <a:endParaRPr lang="zh-CN" altLang="en-US"/>
           </a:p>
@@ -1325,6 +1308,7 @@
           <a:p>
             <a:fld id="{76D68C42-D84C-446F-A46B-E8BEB7185379}" type="slidenum">
               <a:rPr lang="zh-CN" altLang="en-US" smtClean="0"/>
+              <a:t>‹#›</a:t>
             </a:fld>
             <a:endParaRPr lang="zh-CN" altLang="en-US"/>
           </a:p>
@@ -1379,7 +1363,6 @@
               <a:rPr lang="zh-CN" altLang="en-US"/>
               <a:t>单击此处编辑母版标题样式</a:t>
             </a:r>
-            <a:endParaRPr lang="zh-CN" altLang="en-US"/>
           </a:p>
         </p:txBody>
       </p:sp>
@@ -1445,7 +1428,6 @@
               <a:rPr lang="zh-CN" altLang="en-US"/>
               <a:t>编辑母版文本样式</a:t>
             </a:r>
-            <a:endParaRPr lang="zh-CN" altLang="en-US"/>
           </a:p>
         </p:txBody>
       </p:sp>
@@ -1474,7 +1456,6 @@
               <a:rPr lang="zh-CN" altLang="en-US"/>
               <a:t>编辑母版文本样式</a:t>
             </a:r>
-            <a:endParaRPr lang="zh-CN" altLang="en-US"/>
           </a:p>
           <a:p>
             <a:pPr lvl="1"/>
@@ -1482,7 +1463,6 @@
               <a:rPr lang="zh-CN" altLang="en-US"/>
               <a:t>第二级</a:t>
             </a:r>
-            <a:endParaRPr lang="zh-CN" altLang="en-US"/>
           </a:p>
           <a:p>
             <a:pPr lvl="2"/>
@@ -1490,7 +1470,6 @@
               <a:rPr lang="zh-CN" altLang="en-US"/>
               <a:t>第三级</a:t>
             </a:r>
-            <a:endParaRPr lang="zh-CN" altLang="en-US"/>
           </a:p>
           <a:p>
             <a:pPr lvl="3"/>
@@ -1498,7 +1477,6 @@
               <a:rPr lang="zh-CN" altLang="en-US"/>
               <a:t>第四级</a:t>
             </a:r>
-            <a:endParaRPr lang="zh-CN" altLang="en-US"/>
           </a:p>
           <a:p>
             <a:pPr lvl="4"/>
@@ -1506,7 +1484,6 @@
               <a:rPr lang="zh-CN" altLang="en-US"/>
               <a:t>第五级</a:t>
             </a:r>
-            <a:endParaRPr lang="zh-CN" altLang="en-US"/>
           </a:p>
         </p:txBody>
       </p:sp>
@@ -1572,7 +1549,6 @@
               <a:rPr lang="zh-CN" altLang="en-US"/>
               <a:t>编辑母版文本样式</a:t>
             </a:r>
-            <a:endParaRPr lang="zh-CN" altLang="en-US"/>
           </a:p>
         </p:txBody>
       </p:sp>
@@ -1601,7 +1577,6 @@
               <a:rPr lang="zh-CN" altLang="en-US"/>
               <a:t>编辑母版文本样式</a:t>
             </a:r>
-            <a:endParaRPr lang="zh-CN" altLang="en-US"/>
           </a:p>
           <a:p>
             <a:pPr lvl="1"/>
@@ -1609,7 +1584,6 @@
               <a:rPr lang="zh-CN" altLang="en-US"/>
               <a:t>第二级</a:t>
             </a:r>
-            <a:endParaRPr lang="zh-CN" altLang="en-US"/>
           </a:p>
           <a:p>
             <a:pPr lvl="2"/>
@@ -1617,7 +1591,6 @@
               <a:rPr lang="zh-CN" altLang="en-US"/>
               <a:t>第三级</a:t>
             </a:r>
-            <a:endParaRPr lang="zh-CN" altLang="en-US"/>
           </a:p>
           <a:p>
             <a:pPr lvl="3"/>
@@ -1625,7 +1598,6 @@
               <a:rPr lang="zh-CN" altLang="en-US"/>
               <a:t>第四级</a:t>
             </a:r>
-            <a:endParaRPr lang="zh-CN" altLang="en-US"/>
           </a:p>
           <a:p>
             <a:pPr lvl="4"/>
@@ -1633,7 +1605,6 @@
               <a:rPr lang="zh-CN" altLang="en-US"/>
               <a:t>第五级</a:t>
             </a:r>
-            <a:endParaRPr lang="zh-CN" altLang="en-US"/>
           </a:p>
         </p:txBody>
       </p:sp>
@@ -1654,6 +1625,7 @@
           <a:p>
             <a:fld id="{18E237BA-F988-49E5-B4AA-12EC24AF18D2}" type="datetimeFigureOut">
               <a:rPr lang="zh-CN" altLang="en-US" smtClean="0"/>
+              <a:t>2018/12/23</a:t>
             </a:fld>
             <a:endParaRPr lang="zh-CN" altLang="en-US"/>
           </a:p>
@@ -1695,6 +1667,7 @@
           <a:p>
             <a:fld id="{76D68C42-D84C-446F-A46B-E8BEB7185379}" type="slidenum">
               <a:rPr lang="zh-CN" altLang="en-US" smtClean="0"/>
+              <a:t>‹#›</a:t>
             </a:fld>
             <a:endParaRPr lang="zh-CN" altLang="en-US"/>
           </a:p>
@@ -1744,7 +1717,6 @@
               <a:rPr lang="zh-CN" altLang="en-US"/>
               <a:t>单击此处编辑母版标题样式</a:t>
             </a:r>
-            <a:endParaRPr lang="zh-CN" altLang="en-US"/>
           </a:p>
         </p:txBody>
       </p:sp>
@@ -1765,6 +1737,7 @@
           <a:p>
             <a:fld id="{18E237BA-F988-49E5-B4AA-12EC24AF18D2}" type="datetimeFigureOut">
               <a:rPr lang="zh-CN" altLang="en-US" smtClean="0"/>
+              <a:t>2018/12/23</a:t>
             </a:fld>
             <a:endParaRPr lang="zh-CN" altLang="en-US"/>
           </a:p>
@@ -1806,6 +1779,7 @@
           <a:p>
             <a:fld id="{76D68C42-D84C-446F-A46B-E8BEB7185379}" type="slidenum">
               <a:rPr lang="zh-CN" altLang="en-US" smtClean="0"/>
+              <a:t>‹#›</a:t>
             </a:fld>
             <a:endParaRPr lang="zh-CN" altLang="en-US"/>
           </a:p>
@@ -1853,6 +1827,7 @@
           <a:p>
             <a:fld id="{18E237BA-F988-49E5-B4AA-12EC24AF18D2}" type="datetimeFigureOut">
               <a:rPr lang="zh-CN" altLang="en-US" smtClean="0"/>
+              <a:t>2018/12/23</a:t>
             </a:fld>
             <a:endParaRPr lang="zh-CN" altLang="en-US"/>
           </a:p>
@@ -1894,6 +1869,7 @@
           <a:p>
             <a:fld id="{76D68C42-D84C-446F-A46B-E8BEB7185379}" type="slidenum">
               <a:rPr lang="zh-CN" altLang="en-US" smtClean="0"/>
+              <a:t>‹#›</a:t>
             </a:fld>
             <a:endParaRPr lang="zh-CN" altLang="en-US"/>
           </a:p>
@@ -1952,7 +1928,6 @@
               <a:rPr lang="zh-CN" altLang="en-US"/>
               <a:t>单击此处编辑母版标题样式</a:t>
             </a:r>
-            <a:endParaRPr lang="zh-CN" altLang="en-US"/>
           </a:p>
         </p:txBody>
       </p:sp>
@@ -2009,7 +1984,6 @@
               <a:rPr lang="zh-CN" altLang="en-US"/>
               <a:t>编辑母版文本样式</a:t>
             </a:r>
-            <a:endParaRPr lang="zh-CN" altLang="en-US"/>
           </a:p>
           <a:p>
             <a:pPr lvl="1"/>
@@ -2017,7 +1991,6 @@
               <a:rPr lang="zh-CN" altLang="en-US"/>
               <a:t>第二级</a:t>
             </a:r>
-            <a:endParaRPr lang="zh-CN" altLang="en-US"/>
           </a:p>
           <a:p>
             <a:pPr lvl="2"/>
@@ -2025,7 +1998,6 @@
               <a:rPr lang="zh-CN" altLang="en-US"/>
               <a:t>第三级</a:t>
             </a:r>
-            <a:endParaRPr lang="zh-CN" altLang="en-US"/>
           </a:p>
           <a:p>
             <a:pPr lvl="3"/>
@@ -2033,7 +2005,6 @@
               <a:rPr lang="zh-CN" altLang="en-US"/>
               <a:t>第四级</a:t>
             </a:r>
-            <a:endParaRPr lang="zh-CN" altLang="en-US"/>
           </a:p>
           <a:p>
             <a:pPr lvl="4"/>
@@ -2041,7 +2012,6 @@
               <a:rPr lang="zh-CN" altLang="en-US"/>
               <a:t>第五级</a:t>
             </a:r>
-            <a:endParaRPr lang="zh-CN" altLang="en-US"/>
           </a:p>
         </p:txBody>
       </p:sp>
@@ -2107,7 +2077,6 @@
               <a:rPr lang="zh-CN" altLang="en-US"/>
               <a:t>编辑母版文本样式</a:t>
             </a:r>
-            <a:endParaRPr lang="zh-CN" altLang="en-US"/>
           </a:p>
         </p:txBody>
       </p:sp>
@@ -2128,6 +2097,7 @@
           <a:p>
             <a:fld id="{18E237BA-F988-49E5-B4AA-12EC24AF18D2}" type="datetimeFigureOut">
               <a:rPr lang="zh-CN" altLang="en-US" smtClean="0"/>
+              <a:t>2018/12/23</a:t>
             </a:fld>
             <a:endParaRPr lang="zh-CN" altLang="en-US"/>
           </a:p>
@@ -2169,6 +2139,7 @@
           <a:p>
             <a:fld id="{76D68C42-D84C-446F-A46B-E8BEB7185379}" type="slidenum">
               <a:rPr lang="zh-CN" altLang="en-US" smtClean="0"/>
+              <a:t>‹#›</a:t>
             </a:fld>
             <a:endParaRPr lang="zh-CN" altLang="en-US"/>
           </a:p>
@@ -2227,7 +2198,6 @@
               <a:rPr lang="zh-CN" altLang="en-US"/>
               <a:t>单击此处编辑母版标题样式</a:t>
             </a:r>
-            <a:endParaRPr lang="zh-CN" altLang="en-US"/>
           </a:p>
         </p:txBody>
       </p:sp>
@@ -2354,7 +2324,6 @@
               <a:rPr lang="zh-CN" altLang="en-US"/>
               <a:t>编辑母版文本样式</a:t>
             </a:r>
-            <a:endParaRPr lang="zh-CN" altLang="en-US"/>
           </a:p>
         </p:txBody>
       </p:sp>
@@ -2375,6 +2344,7 @@
           <a:p>
             <a:fld id="{18E237BA-F988-49E5-B4AA-12EC24AF18D2}" type="datetimeFigureOut">
               <a:rPr lang="zh-CN" altLang="en-US" smtClean="0"/>
+              <a:t>2018/12/23</a:t>
             </a:fld>
             <a:endParaRPr lang="zh-CN" altLang="en-US"/>
           </a:p>
@@ -2416,6 +2386,7 @@
           <a:p>
             <a:fld id="{76D68C42-D84C-446F-A46B-E8BEB7185379}" type="slidenum">
               <a:rPr lang="zh-CN" altLang="en-US" smtClean="0"/>
+              <a:t>‹#›</a:t>
             </a:fld>
             <a:endParaRPr lang="zh-CN" altLang="en-US"/>
           </a:p>
@@ -2480,7 +2451,6 @@
               <a:rPr lang="zh-CN" altLang="en-US"/>
               <a:t>单击此处编辑母版标题样式</a:t>
             </a:r>
-            <a:endParaRPr lang="zh-CN" altLang="en-US"/>
           </a:p>
         </p:txBody>
       </p:sp>
@@ -2514,7 +2484,6 @@
               <a:rPr lang="zh-CN" altLang="en-US"/>
               <a:t>编辑母版文本样式</a:t>
             </a:r>
-            <a:endParaRPr lang="zh-CN" altLang="en-US"/>
           </a:p>
           <a:p>
             <a:pPr lvl="1"/>
@@ -2522,7 +2491,6 @@
               <a:rPr lang="zh-CN" altLang="en-US"/>
               <a:t>第二级</a:t>
             </a:r>
-            <a:endParaRPr lang="zh-CN" altLang="en-US"/>
           </a:p>
           <a:p>
             <a:pPr lvl="2"/>
@@ -2530,7 +2498,6 @@
               <a:rPr lang="zh-CN" altLang="en-US"/>
               <a:t>第三级</a:t>
             </a:r>
-            <a:endParaRPr lang="zh-CN" altLang="en-US"/>
           </a:p>
           <a:p>
             <a:pPr lvl="3"/>
@@ -2538,7 +2505,6 @@
               <a:rPr lang="zh-CN" altLang="en-US"/>
               <a:t>第四级</a:t>
             </a:r>
-            <a:endParaRPr lang="zh-CN" altLang="en-US"/>
           </a:p>
           <a:p>
             <a:pPr lvl="4"/>
@@ -2546,7 +2512,6 @@
               <a:rPr lang="zh-CN" altLang="en-US"/>
               <a:t>第五级</a:t>
             </a:r>
-            <a:endParaRPr lang="zh-CN" altLang="en-US"/>
           </a:p>
         </p:txBody>
       </p:sp>
@@ -2585,6 +2550,7 @@
           <a:p>
             <a:fld id="{18E237BA-F988-49E5-B4AA-12EC24AF18D2}" type="datetimeFigureOut">
               <a:rPr lang="zh-CN" altLang="en-US" smtClean="0"/>
+              <a:t>2018/12/23</a:t>
             </a:fld>
             <a:endParaRPr lang="zh-CN" altLang="en-US"/>
           </a:p>
@@ -2662,6 +2628,7 @@
           <a:p>
             <a:fld id="{76D68C42-D84C-446F-A46B-E8BEB7185379}" type="slidenum">
               <a:rPr lang="zh-CN" altLang="en-US" smtClean="0"/>
+              <a:t>‹#›</a:t>
             </a:fld>
             <a:endParaRPr lang="zh-CN" altLang="en-US"/>
           </a:p>
@@ -3026,13 +2993,6 @@
               </a:rPr>
               <a:t>综合应用和问题解答</a:t>
             </a:r>
-            <a:endParaRPr lang="zh-CN" altLang="en-US" sz="7200" dirty="0">
-              <a:solidFill>
-                <a:srgbClr val="002B41"/>
-              </a:solidFill>
-              <a:latin typeface="Impact" panose="020B0806030902050204" pitchFamily="34" charset="0"/>
-              <a:ea typeface="微软雅黑" panose="020B0503020204020204" pitchFamily="34" charset="-122"/>
-            </a:endParaRPr>
           </a:p>
         </p:txBody>
       </p:sp>
@@ -3444,6 +3404,7 @@
           <a:bodyPr wrap="square" rtlCol="0">
             <a:spAutoFit/>
           </a:bodyPr>
+          <a:lstStyle/>
           <a:p>
             <a:r>
               <a:rPr lang="en-US" altLang="zh-CN" sz="3200" dirty="0">
@@ -3455,13 +3416,6 @@
               </a:rPr>
               <a:t>G18</a:t>
             </a:r>
-            <a:endParaRPr lang="en-US" altLang="zh-CN" sz="3200" dirty="0">
-              <a:solidFill>
-                <a:srgbClr val="002B41"/>
-              </a:solidFill>
-              <a:latin typeface="微软雅黑" panose="020B0503020204020204" pitchFamily="34" charset="-122"/>
-              <a:ea typeface="微软雅黑" panose="020B0503020204020204" pitchFamily="34" charset="-122"/>
-            </a:endParaRPr>
           </a:p>
         </p:txBody>
       </p:sp>
@@ -3503,6 +3457,7 @@
         <p:spPr/>
         <p:txBody>
           <a:bodyPr/>
+          <a:lstStyle/>
           <a:p>
             <a:r>
               <a:rPr lang="zh-CN" altLang="en-US">
@@ -3511,10 +3466,6 @@
               </a:rPr>
               <a:t>综合所有的视图</a:t>
             </a:r>
-            <a:endParaRPr lang="zh-CN" altLang="en-US">
-              <a:latin typeface="微软雅黑" panose="020B0503020204020204" pitchFamily="34" charset="-122"/>
-              <a:ea typeface="微软雅黑" panose="020B0503020204020204" pitchFamily="34" charset="-122"/>
-            </a:endParaRPr>
           </a:p>
         </p:txBody>
       </p:sp>
@@ -3531,6 +3482,7 @@
         <p:spPr/>
         <p:txBody>
           <a:bodyPr/>
+          <a:lstStyle/>
           <a:p>
             <a:pPr marL="0" indent="0">
               <a:buNone/>
@@ -3542,10 +3494,6 @@
               </a:rPr>
               <a:t>四种视图的元素通过数量比较少的一组重要用例进行无缝协同工作，我们为用例描述相应的脚本（对象之间和过程之间的交互序列）。</a:t>
             </a:r>
-            <a:endParaRPr lang="zh-CN" altLang="en-US">
-              <a:latin typeface="微软雅黑" panose="020B0503020204020204" pitchFamily="34" charset="-122"/>
-              <a:ea typeface="微软雅黑" panose="020B0503020204020204" pitchFamily="34" charset="-122"/>
-            </a:endParaRPr>
           </a:p>
           <a:p>
             <a:pPr marL="0" indent="0">
@@ -3558,10 +3506,6 @@
               </a:rPr>
               <a:t>在某种意义上用例是最重要的需求抽象，它们的设计使用用例图和对象交互图来表示。</a:t>
             </a:r>
-            <a:endParaRPr lang="zh-CN" altLang="en-US">
-              <a:latin typeface="微软雅黑" panose="020B0503020204020204" pitchFamily="34" charset="-122"/>
-              <a:ea typeface="微软雅黑" panose="020B0503020204020204" pitchFamily="34" charset="-122"/>
-            </a:endParaRPr>
           </a:p>
           <a:p>
             <a:pPr marL="0" indent="0">
@@ -3738,13 +3682,6 @@
   <p:transition>
     <p:cut/>
   </p:transition>
-  <p:timing>
-    <p:tnLst>
-      <p:par>
-        <p:cTn id="1" dur="indefinite" restart="never" nodeType="tmRoot"/>
-      </p:par>
-    </p:tnLst>
-  </p:timing>
 </p:sld>
 </file>
 
@@ -3778,6 +3715,7 @@
         <p:spPr/>
         <p:txBody>
           <a:bodyPr/>
+          <a:lstStyle/>
           <a:p>
             <a:r>
               <a:rPr lang="zh-CN" altLang="en-US">
@@ -3786,10 +3724,6 @@
               </a:rPr>
               <a:t>用例视图的作用</a:t>
             </a:r>
-            <a:endParaRPr lang="zh-CN" altLang="en-US">
-              <a:latin typeface="微软雅黑" panose="020B0503020204020204" pitchFamily="34" charset="-122"/>
-              <a:ea typeface="微软雅黑" panose="020B0503020204020204" pitchFamily="34" charset="-122"/>
-            </a:endParaRPr>
           </a:p>
         </p:txBody>
       </p:sp>
@@ -3806,6 +3740,7 @@
         <p:spPr/>
         <p:txBody>
           <a:bodyPr/>
+          <a:lstStyle/>
           <a:p>
             <a:pPr marL="0" indent="0">
               <a:buNone/>
@@ -3817,10 +3752,6 @@
               </a:rPr>
               <a:t>作为一项驱动因素来发现架构设计过程中的架构元素。</a:t>
             </a:r>
-            <a:endParaRPr lang="zh-CN" altLang="en-US">
-              <a:latin typeface="微软雅黑" panose="020B0503020204020204" pitchFamily="34" charset="-122"/>
-              <a:ea typeface="微软雅黑" panose="020B0503020204020204" pitchFamily="34" charset="-122"/>
-            </a:endParaRPr>
           </a:p>
           <a:p>
             <a:pPr marL="0" indent="0">
@@ -3842,10 +3773,6 @@
               </a:rPr>
               <a:t>作为架构设计结束后的一项验证和说明功能，既以视图的角度来说明又作为架构原型测试的出发点。</a:t>
             </a:r>
-            <a:endParaRPr lang="zh-CN" altLang="en-US">
-              <a:latin typeface="微软雅黑" panose="020B0503020204020204" pitchFamily="34" charset="-122"/>
-              <a:ea typeface="微软雅黑" panose="020B0503020204020204" pitchFamily="34" charset="-122"/>
-            </a:endParaRPr>
           </a:p>
           <a:p>
             <a:pPr marL="0" indent="0">
@@ -4003,13 +3930,6 @@
   <p:transition>
     <p:cut/>
   </p:transition>
-  <p:timing>
-    <p:tnLst>
-      <p:par>
-        <p:cTn id="1" dur="indefinite" restart="never" nodeType="tmRoot"/>
-      </p:par>
-    </p:tnLst>
-  </p:timing>
 </p:sld>
 </file>
 
@@ -4350,15 +4270,6 @@
               </a:rPr>
               <a:t>第三部分</a:t>
             </a:r>
-            <a:endParaRPr lang="zh-CN" altLang="en-US" sz="6000" dirty="0">
-              <a:solidFill>
-                <a:schemeClr val="bg1">
-                  <a:lumMod val="95000"/>
-                </a:schemeClr>
-              </a:solidFill>
-              <a:latin typeface="微软雅黑" panose="020B0503020204020204" pitchFamily="34" charset="-122"/>
-              <a:ea typeface="微软雅黑" panose="020B0503020204020204" pitchFamily="34" charset="-122"/>
-            </a:endParaRPr>
           </a:p>
         </p:txBody>
       </p:sp>
@@ -4451,6 +4362,7 @@
         <p:spPr/>
         <p:txBody>
           <a:bodyPr/>
+          <a:lstStyle/>
           <a:p>
             <a:r>
               <a:rPr lang="zh-CN" altLang="en-US">
@@ -4459,10 +4371,6 @@
               </a:rPr>
               <a:t>逻辑视图</a:t>
             </a:r>
-            <a:endParaRPr lang="zh-CN" altLang="en-US">
-              <a:latin typeface="微软雅黑" panose="020B0503020204020204" pitchFamily="34" charset="-122"/>
-              <a:ea typeface="微软雅黑" panose="020B0503020204020204" pitchFamily="34" charset="-122"/>
-            </a:endParaRPr>
           </a:p>
         </p:txBody>
       </p:sp>
@@ -4479,6 +4387,7 @@
         <p:spPr/>
         <p:txBody>
           <a:bodyPr/>
+          <a:lstStyle/>
           <a:p>
             <a:r>
               <a:rPr lang="zh-CN" altLang="en-US">
@@ -4499,14 +4408,6 @@
               </a:rPr>
               <a:t>逻辑视图的使用者主要是系统的设计人员和开发人员。</a:t>
             </a:r>
-            <a:endParaRPr lang="zh-CN" altLang="en-US">
-              <a:solidFill>
-                <a:srgbClr val="FF0000"/>
-              </a:solidFill>
-              <a:latin typeface="微软雅黑" panose="020B0503020204020204" pitchFamily="34" charset="-122"/>
-              <a:ea typeface="微软雅黑" panose="020B0503020204020204" pitchFamily="34" charset="-122"/>
-              <a:sym typeface="+mn-ea"/>
-            </a:endParaRPr>
           </a:p>
         </p:txBody>
       </p:sp>
@@ -4614,13 +4515,6 @@
   <p:transition>
     <p:fade/>
   </p:transition>
-  <p:timing>
-    <p:tnLst>
-      <p:par>
-        <p:cTn id="1" dur="indefinite" restart="never" nodeType="tmRoot"/>
-      </p:par>
-    </p:tnLst>
-  </p:timing>
 </p:sld>
 </file>
 
@@ -4654,6 +4548,7 @@
         <p:spPr/>
         <p:txBody>
           <a:bodyPr/>
+          <a:lstStyle/>
           <a:p>
             <a:r>
               <a:rPr lang="zh-CN" altLang="en-US">
@@ -4662,10 +4557,6 @@
               </a:rPr>
               <a:t>逻辑结构</a:t>
             </a:r>
-            <a:endParaRPr lang="zh-CN" altLang="en-US">
-              <a:latin typeface="微软雅黑" panose="020B0503020204020204" pitchFamily="34" charset="-122"/>
-              <a:ea typeface="微软雅黑" panose="020B0503020204020204" pitchFamily="34" charset="-122"/>
-            </a:endParaRPr>
           </a:p>
         </p:txBody>
       </p:sp>
@@ -4682,6 +4573,7 @@
         <p:spPr/>
         <p:txBody>
           <a:bodyPr/>
+          <a:lstStyle/>
           <a:p>
             <a:r>
               <a:rPr lang="zh-CN" altLang="en-US" b="1">
@@ -4690,10 +4582,6 @@
               </a:rPr>
               <a:t>面向对象的分解</a:t>
             </a:r>
-            <a:endParaRPr lang="zh-CN" altLang="en-US" b="1">
-              <a:latin typeface="微软雅黑" panose="020B0503020204020204" pitchFamily="34" charset="-122"/>
-              <a:ea typeface="微软雅黑" panose="020B0503020204020204" pitchFamily="34" charset="-122"/>
-            </a:endParaRPr>
           </a:p>
           <a:p>
             <a:endParaRPr lang="zh-CN" altLang="en-US">
@@ -4771,10 +4659,6 @@
               </a:rPr>
               <a:t>）</a:t>
             </a:r>
-            <a:endParaRPr lang="zh-CN" altLang="en-US">
-              <a:latin typeface="微软雅黑" panose="020B0503020204020204" pitchFamily="34" charset="-122"/>
-              <a:ea typeface="微软雅黑" panose="020B0503020204020204" pitchFamily="34" charset="-122"/>
-            </a:endParaRPr>
           </a:p>
         </p:txBody>
       </p:sp>
@@ -4882,13 +4766,6 @@
   <p:transition>
     <p:cut/>
   </p:transition>
-  <p:timing>
-    <p:tnLst>
-      <p:par>
-        <p:cTn id="1" dur="indefinite" restart="never" nodeType="tmRoot"/>
-      </p:par>
-    </p:tnLst>
-  </p:timing>
 </p:sld>
 </file>
 
@@ -5008,7 +4885,9 @@
       <p:sp>
         <p:nvSpPr>
           <p:cNvPr id="6" name="内容占位符 5"/>
-          <p:cNvSpPr/>
+          <p:cNvSpPr>
+            <a:spLocks noGrp="1"/>
+          </p:cNvSpPr>
           <p:nvPr>
             <p:ph idx="1"/>
           </p:nvPr>
@@ -5021,6 +4900,7 @@
         </p:spPr>
         <p:txBody>
           <a:bodyPr/>
+          <a:lstStyle/>
           <a:p>
             <a:r>
               <a:rPr lang="zh-CN" altLang="en-US">
@@ -5046,10 +4926,6 @@
               </a:rPr>
               <a:t>：关联、使用、组合、继承等等。相似的类可以划分成类集合。类模板关注于单个类，它们强调主要的类操作，并且识别关键的对象特征。如果需要定义对象的内部行为，则使用状态转换图或状态图来完成。公共机制或服务可以在类功能中定义。</a:t>
             </a:r>
-            <a:endParaRPr lang="zh-CN" altLang="en-US">
-              <a:latin typeface="微软雅黑" panose="020B0503020204020204" pitchFamily="34" charset="-122"/>
-              <a:ea typeface="微软雅黑" panose="020B0503020204020204" pitchFamily="34" charset="-122"/>
-            </a:endParaRPr>
           </a:p>
           <a:p>
             <a:r>
@@ -5138,13 +5014,6 @@
   <p:transition>
     <p:cut/>
   </p:transition>
-  <p:timing>
-    <p:tnLst>
-      <p:par>
-        <p:cTn id="1" dur="indefinite" restart="never" nodeType="tmRoot"/>
-      </p:par>
-    </p:tnLst>
-  </p:timing>
 </p:sld>
 </file>
 
@@ -5178,6 +5047,7 @@
         <p:spPr/>
         <p:txBody>
           <a:bodyPr/>
+          <a:lstStyle/>
           <a:p>
             <a:r>
               <a:rPr lang="zh-CN" altLang="en-US">
@@ -5186,10 +5056,6 @@
               </a:rPr>
               <a:t>逻辑视图的表示法</a:t>
             </a:r>
-            <a:endParaRPr lang="zh-CN" altLang="en-US">
-              <a:latin typeface="微软雅黑" panose="020B0503020204020204" pitchFamily="34" charset="-122"/>
-              <a:ea typeface="微软雅黑" panose="020B0503020204020204" pitchFamily="34" charset="-122"/>
-            </a:endParaRPr>
           </a:p>
         </p:txBody>
       </p:sp>
@@ -5206,8 +5072,9 @@
         <p:spPr/>
         <p:txBody>
           <a:bodyPr>
-            <a:normAutofit fontScale="80000"/>
+            <a:normAutofit fontScale="95000" lnSpcReduction="10000"/>
           </a:bodyPr>
+          <a:lstStyle/>
           <a:p>
             <a:pPr marL="0" indent="0">
               <a:buNone/>
@@ -5525,7 +5392,7 @@
           <p:nvPr/>
         </p:nvPicPr>
         <p:blipFill>
-          <a:blip r:embed="rId1"/>
+          <a:blip r:embed="rId2"/>
           <a:stretch>
             <a:fillRect/>
           </a:stretch>
@@ -5668,6 +5535,7 @@
         <p:spPr/>
         <p:txBody>
           <a:bodyPr/>
+          <a:lstStyle/>
           <a:p>
             <a:r>
               <a:rPr lang="zh-CN" altLang="en-US">
@@ -5676,10 +5544,6 @@
               </a:rPr>
               <a:t>逻辑视图的风格</a:t>
             </a:r>
-            <a:endParaRPr lang="zh-CN" altLang="en-US">
-              <a:latin typeface="微软雅黑" panose="020B0503020204020204" pitchFamily="34" charset="-122"/>
-              <a:ea typeface="微软雅黑" panose="020B0503020204020204" pitchFamily="34" charset="-122"/>
-            </a:endParaRPr>
           </a:p>
         </p:txBody>
       </p:sp>
@@ -5696,6 +5560,7 @@
         <p:spPr/>
         <p:txBody>
           <a:bodyPr/>
+          <a:lstStyle/>
           <a:p>
             <a:pPr marL="0" indent="0">
               <a:buNone/>
@@ -5707,10 +5572,6 @@
               </a:rPr>
               <a:t>逻辑视图的风格采用面向对象的风格，其主要的设计准则是试图在整个系统中保持单一的、一致的对象模型，避免就每个场合或过程产生草率的类和机制的技术说明。</a:t>
             </a:r>
-            <a:endParaRPr lang="zh-CN" altLang="en-US">
-              <a:latin typeface="微软雅黑" panose="020B0503020204020204" pitchFamily="34" charset="-122"/>
-              <a:ea typeface="微软雅黑" panose="020B0503020204020204" pitchFamily="34" charset="-122"/>
-            </a:endParaRPr>
           </a:p>
           <a:p>
             <a:pPr marL="0" indent="0">
@@ -5868,13 +5729,6 @@
   <p:transition>
     <p:cut/>
   </p:transition>
-  <p:timing>
-    <p:tnLst>
-      <p:par>
-        <p:cTn id="1" dur="indefinite" restart="never" nodeType="tmRoot"/>
-      </p:par>
-    </p:tnLst>
-  </p:timing>
 </p:sld>
 </file>
 
@@ -6215,15 +6069,6 @@
               </a:rPr>
               <a:t>第四部分</a:t>
             </a:r>
-            <a:endParaRPr lang="zh-CN" altLang="en-US" sz="6000" dirty="0">
-              <a:solidFill>
-                <a:schemeClr val="bg1">
-                  <a:lumMod val="95000"/>
-                </a:schemeClr>
-              </a:solidFill>
-              <a:latin typeface="微软雅黑" panose="020B0503020204020204" pitchFamily="34" charset="-122"/>
-              <a:ea typeface="微软雅黑" panose="020B0503020204020204" pitchFamily="34" charset="-122"/>
-            </a:endParaRPr>
           </a:p>
         </p:txBody>
       </p:sp>
@@ -6316,6 +6161,7 @@
         <p:spPr/>
         <p:txBody>
           <a:bodyPr/>
+          <a:lstStyle/>
           <a:p>
             <a:r>
               <a:rPr lang="zh-CN" altLang="en-US">
@@ -6324,10 +6170,6 @@
               </a:rPr>
               <a:t>并发视图</a:t>
             </a:r>
-            <a:endParaRPr lang="zh-CN" altLang="en-US">
-              <a:latin typeface="微软雅黑" panose="020B0503020204020204" pitchFamily="34" charset="-122"/>
-              <a:ea typeface="微软雅黑" panose="020B0503020204020204" pitchFamily="34" charset="-122"/>
-            </a:endParaRPr>
           </a:p>
         </p:txBody>
       </p:sp>
@@ -6344,6 +6186,7 @@
         <p:spPr/>
         <p:txBody>
           <a:bodyPr/>
+          <a:lstStyle/>
           <a:p>
             <a:r>
               <a:rPr lang="zh-CN" altLang="en-US">
@@ -6364,14 +6207,6 @@
               </a:rPr>
               <a:t>并发视图主要由状态机图、通信图和活动图组成。并发视图的使用者是开发人员和系统集成人员。</a:t>
             </a:r>
-            <a:endParaRPr lang="zh-CN" altLang="en-US">
-              <a:solidFill>
-                <a:srgbClr val="FF0000"/>
-              </a:solidFill>
-              <a:latin typeface="微软雅黑" panose="020B0503020204020204" pitchFamily="34" charset="-122"/>
-              <a:ea typeface="微软雅黑" panose="020B0503020204020204" pitchFamily="34" charset="-122"/>
-              <a:sym typeface="+mn-ea"/>
-            </a:endParaRPr>
           </a:p>
         </p:txBody>
       </p:sp>
@@ -6479,13 +6314,6 @@
   <p:transition>
     <p:fade/>
   </p:transition>
-  <p:timing>
-    <p:tnLst>
-      <p:par>
-        <p:cTn id="1" dur="indefinite" restart="never" nodeType="tmRoot"/>
-      </p:par>
-    </p:tnLst>
-  </p:timing>
 </p:sld>
 </file>
 
@@ -7353,14 +7181,6 @@
                   </a:rPr>
                   <a:t>视图</a:t>
                 </a:r>
-                <a:endParaRPr lang="zh-CN" altLang="en-US" sz="2800" dirty="0">
-                  <a:solidFill>
-                    <a:srgbClr val="002B41"/>
-                  </a:solidFill>
-                  <a:latin typeface="微软雅黑" panose="020B0503020204020204" pitchFamily="34" charset="-122"/>
-                  <a:ea typeface="微软雅黑" panose="020B0503020204020204" pitchFamily="34" charset="-122"/>
-                  <a:cs typeface="微软雅黑" panose="020B0503020204020204" pitchFamily="34" charset="-122"/>
-                </a:endParaRPr>
               </a:p>
             </p:txBody>
           </p:sp>
@@ -7926,13 +7746,6 @@
                 </a:rPr>
                 <a:t>用例视图</a:t>
               </a:r>
-              <a:endParaRPr lang="zh-CN" altLang="en-US" sz="2800" dirty="0">
-                <a:solidFill>
-                  <a:srgbClr val="002B41"/>
-                </a:solidFill>
-                <a:latin typeface="微软雅黑" panose="020B0503020204020204" pitchFamily="34" charset="-122"/>
-                <a:ea typeface="微软雅黑" panose="020B0503020204020204" pitchFamily="34" charset="-122"/>
-              </a:endParaRPr>
             </a:p>
           </p:txBody>
         </p:sp>
@@ -8322,13 +8135,6 @@
                 </a:rPr>
                 <a:t>逻辑视图</a:t>
               </a:r>
-              <a:endParaRPr lang="zh-CN" altLang="en-US" sz="2800" dirty="0">
-                <a:solidFill>
-                  <a:srgbClr val="002B41"/>
-                </a:solidFill>
-                <a:latin typeface="微软雅黑" panose="020B0503020204020204" pitchFamily="34" charset="-122"/>
-                <a:ea typeface="微软雅黑" panose="020B0503020204020204" pitchFamily="34" charset="-122"/>
-              </a:endParaRPr>
             </a:p>
           </p:txBody>
         </p:sp>
@@ -9513,13 +9319,6 @@
                 </a:rPr>
                 <a:t>视图之间的对应性</a:t>
               </a:r>
-              <a:endParaRPr lang="zh-CN" altLang="zh-CN" sz="2800" dirty="0">
-                <a:solidFill>
-                  <a:srgbClr val="002B41"/>
-                </a:solidFill>
-                <a:latin typeface="微软雅黑" panose="020B0503020204020204" pitchFamily="34" charset="-122"/>
-                <a:ea typeface="微软雅黑" panose="020B0503020204020204" pitchFamily="34" charset="-122"/>
-              </a:endParaRPr>
             </a:p>
           </p:txBody>
         </p:sp>
@@ -10307,13 +10106,6 @@
                 </a:rPr>
                 <a:t>迭代过程</a:t>
               </a:r>
-              <a:endParaRPr lang="zh-CN" altLang="zh-CN" sz="2800" dirty="0">
-                <a:solidFill>
-                  <a:srgbClr val="002B41"/>
-                </a:solidFill>
-                <a:latin typeface="微软雅黑" panose="020B0503020204020204" pitchFamily="34" charset="-122"/>
-                <a:ea typeface="微软雅黑" panose="020B0503020204020204" pitchFamily="34" charset="-122"/>
-              </a:endParaRPr>
             </a:p>
           </p:txBody>
         </p:sp>
@@ -10712,25 +10504,8 @@
                   <a:latin typeface="微软雅黑" panose="020B0503020204020204" pitchFamily="34" charset="-122"/>
                   <a:ea typeface="微软雅黑" panose="020B0503020204020204" pitchFamily="34" charset="-122"/>
                 </a:rPr>
-                <a:t>及工具</a:t>
+                <a:t>及工具使用情况</a:t>
               </a:r>
-              <a:r>
-                <a:rPr lang="zh-CN" altLang="en-US" sz="2800" dirty="0">
-                  <a:solidFill>
-                    <a:srgbClr val="002B41"/>
-                  </a:solidFill>
-                  <a:latin typeface="微软雅黑" panose="020B0503020204020204" pitchFamily="34" charset="-122"/>
-                  <a:ea typeface="微软雅黑" panose="020B0503020204020204" pitchFamily="34" charset="-122"/>
-                </a:rPr>
-                <a:t>使用情况</a:t>
-              </a:r>
-              <a:endParaRPr lang="zh-CN" altLang="en-US" sz="2800" dirty="0">
-                <a:solidFill>
-                  <a:srgbClr val="002B41"/>
-                </a:solidFill>
-                <a:latin typeface="微软雅黑" panose="020B0503020204020204" pitchFamily="34" charset="-122"/>
-                <a:ea typeface="微软雅黑" panose="020B0503020204020204" pitchFamily="34" charset="-122"/>
-              </a:endParaRPr>
             </a:p>
           </p:txBody>
         </p:sp>
@@ -11070,12 +10845,6 @@
                 </a:rPr>
                 <a:t>10</a:t>
               </a:r>
-              <a:endParaRPr lang="en-US" altLang="zh-CN" sz="3200" dirty="0">
-                <a:solidFill>
-                  <a:schemeClr val="bg1"/>
-                </a:solidFill>
-                <a:ea typeface="微软雅黑" panose="020B0503020204020204" pitchFamily="34" charset="-122"/>
-              </a:endParaRPr>
             </a:p>
           </p:txBody>
         </p:sp>
@@ -11183,6 +10952,7 @@
         <p:spPr/>
         <p:txBody>
           <a:bodyPr/>
+          <a:lstStyle/>
           <a:p>
             <a:r>
               <a:rPr lang="zh-CN" altLang="en-US">
@@ -11191,10 +10961,6 @@
               </a:rPr>
               <a:t>进程架构</a:t>
             </a:r>
-            <a:endParaRPr lang="zh-CN" altLang="en-US">
-              <a:latin typeface="微软雅黑" panose="020B0503020204020204" pitchFamily="34" charset="-122"/>
-              <a:ea typeface="微软雅黑" panose="020B0503020204020204" pitchFamily="34" charset="-122"/>
-            </a:endParaRPr>
           </a:p>
         </p:txBody>
       </p:sp>
@@ -11211,6 +10977,7 @@
         <p:spPr/>
         <p:txBody>
           <a:bodyPr/>
+          <a:lstStyle/>
           <a:p>
             <a:pPr marL="0" indent="0">
               <a:buNone/>
@@ -11222,10 +10989,6 @@
               </a:rPr>
               <a:t>过程分解</a:t>
             </a:r>
-            <a:endParaRPr lang="zh-CN" altLang="en-US" b="1">
-              <a:latin typeface="微软雅黑" panose="020B0503020204020204" pitchFamily="34" charset="-122"/>
-              <a:ea typeface="微软雅黑" panose="020B0503020204020204" pitchFamily="34" charset="-122"/>
-            </a:endParaRPr>
           </a:p>
           <a:p>
             <a:pPr marL="0" indent="0">
@@ -11271,10 +11034,6 @@
               </a:rPr>
               <a:t>即在哪个控制线程上，对象的操作被实际执行。</a:t>
             </a:r>
-            <a:endParaRPr lang="zh-CN" altLang="en-US">
-              <a:latin typeface="微软雅黑" panose="020B0503020204020204" pitchFamily="34" charset="-122"/>
-              <a:ea typeface="微软雅黑" panose="020B0503020204020204" pitchFamily="34" charset="-122"/>
-            </a:endParaRPr>
           </a:p>
           <a:p>
             <a:pPr marL="0" indent="0">
@@ -11432,13 +11191,6 @@
   <p:transition>
     <p:cut/>
   </p:transition>
-  <p:timing>
-    <p:tnLst>
-      <p:par>
-        <p:cTn id="1" dur="indefinite" restart="never" nodeType="tmRoot"/>
-      </p:par>
-    </p:tnLst>
-  </p:timing>
 </p:sld>
 </file>
 
@@ -11477,6 +11229,7 @@
         </p:spPr>
         <p:txBody>
           <a:bodyPr/>
+          <a:lstStyle/>
           <a:p>
             <a:pPr marL="0" indent="0">
               <a:buNone/>
@@ -11498,10 +11251,6 @@
               </a:rPr>
               <a:t>在最高的层次上，进程架构可以视为一组独立执行的通信程序的逻辑网络，它们分布在整个一组硬件资源上，这些资源通过 LAN 或者 WAN 连接起来。多个逻辑网络可能同时并存，共享相同的物理资源。例如，独立的逻辑网络可能用于支持离线系统与在线系统的分离，或者支持软件的模拟版本和测试版本的共存。</a:t>
             </a:r>
-            <a:endParaRPr lang="zh-CN" altLang="en-US">
-              <a:latin typeface="微软雅黑" panose="020B0503020204020204" pitchFamily="34" charset="-122"/>
-              <a:ea typeface="微软雅黑" panose="020B0503020204020204" pitchFamily="34" charset="-122"/>
-            </a:endParaRPr>
           </a:p>
           <a:p>
             <a:pPr marL="0" indent="0">
@@ -11659,13 +11408,6 @@
   <p:transition>
     <p:cut/>
   </p:transition>
-  <p:timing>
-    <p:tnLst>
-      <p:par>
-        <p:cTn id="1" dur="indefinite" restart="never" nodeType="tmRoot"/>
-      </p:par>
-    </p:tnLst>
-  </p:timing>
 </p:sld>
 </file>
 
@@ -11699,6 +11441,7 @@
         <p:spPr/>
         <p:txBody>
           <a:bodyPr/>
+          <a:lstStyle/>
           <a:p>
             <a:r>
               <a:rPr lang="zh-CN" altLang="en-US">
@@ -11707,10 +11450,6 @@
               </a:rPr>
               <a:t>进程</a:t>
             </a:r>
-            <a:endParaRPr lang="zh-CN" altLang="en-US">
-              <a:latin typeface="微软雅黑" panose="020B0503020204020204" pitchFamily="34" charset="-122"/>
-              <a:ea typeface="微软雅黑" panose="020B0503020204020204" pitchFamily="34" charset="-122"/>
-            </a:endParaRPr>
           </a:p>
         </p:txBody>
       </p:sp>
@@ -11727,6 +11466,7 @@
         <p:spPr/>
         <p:txBody>
           <a:bodyPr/>
+          <a:lstStyle/>
           <a:p>
             <a:pPr marL="0" indent="0">
               <a:buNone/>
@@ -11748,10 +11488,6 @@
               </a:rPr>
               <a:t>进程代表了可以进行策略控制过程架构的层次（即：开始、恢复、重新配置及关闭）。另外，进程可以就处理负载的分布式增强或可用性的提高而不断地被重复。</a:t>
             </a:r>
-            <a:endParaRPr lang="zh-CN" altLang="en-US">
-              <a:latin typeface="微软雅黑" panose="020B0503020204020204" pitchFamily="34" charset="-122"/>
-              <a:ea typeface="微软雅黑" panose="020B0503020204020204" pitchFamily="34" charset="-122"/>
-            </a:endParaRPr>
           </a:p>
           <a:p>
             <a:pPr marL="0" indent="0">
@@ -11909,13 +11645,6 @@
   <p:transition>
     <p:cut/>
   </p:transition>
-  <p:timing>
-    <p:tnLst>
-      <p:par>
-        <p:cTn id="1" dur="indefinite" restart="never" nodeType="tmRoot"/>
-      </p:par>
-    </p:tnLst>
-  </p:timing>
 </p:sld>
 </file>
 
@@ -11956,6 +11685,7 @@
           <a:bodyPr>
             <a:normAutofit lnSpcReduction="10000"/>
           </a:bodyPr>
+          <a:lstStyle/>
           <a:p>
             <a:pPr marL="0" indent="0">
               <a:buNone/>
@@ -12003,10 +11733,6 @@
               </a:rPr>
               <a:t>。它们可以作为 Ada Task 或轻量线程来实施。 主要任务的通讯途径是良好定义的交互任务通信机制：基于消息的同步或异步通信服务、远程过程调用、事件广播等。次要任务则以会见或共享内存来通信。在同一过程或处理节点上，主要任务不应对它们的分配做出任何假定。</a:t>
             </a:r>
-            <a:endParaRPr lang="zh-CN" altLang="en-US">
-              <a:latin typeface="微软雅黑" panose="020B0503020204020204" pitchFamily="34" charset="-122"/>
-              <a:ea typeface="微软雅黑" panose="020B0503020204020204" pitchFamily="34" charset="-122"/>
-            </a:endParaRPr>
           </a:p>
           <a:p>
             <a:pPr marL="0" indent="0">
@@ -12028,10 +11754,6 @@
               </a:rPr>
               <a:t>消息流、过程负载可以基于过程蓝图来进行评估，同样可以使用哑负载来实现"中空"的进程架构，并测量在目标系统上的性能。</a:t>
             </a:r>
-            <a:endParaRPr lang="zh-CN" altLang="en-US">
-              <a:latin typeface="微软雅黑" panose="020B0503020204020204" pitchFamily="34" charset="-122"/>
-              <a:ea typeface="微软雅黑" panose="020B0503020204020204" pitchFamily="34" charset="-122"/>
-            </a:endParaRPr>
           </a:p>
           <a:p>
             <a:pPr marL="0" indent="0">
@@ -12189,13 +11911,6 @@
   <p:transition>
     <p:cut/>
   </p:transition>
-  <p:timing>
-    <p:tnLst>
-      <p:par>
-        <p:cTn id="1" dur="indefinite" restart="never" nodeType="tmRoot"/>
-      </p:par>
-    </p:tnLst>
-  </p:timing>
 </p:sld>
 </file>
 
@@ -12229,6 +11944,7 @@
         <p:spPr/>
         <p:txBody>
           <a:bodyPr/>
+          <a:lstStyle/>
           <a:p>
             <a:r>
               <a:rPr lang="zh-CN" altLang="en-US">
@@ -12237,10 +11953,6 @@
               </a:rPr>
               <a:t>并发视图的表示法</a:t>
             </a:r>
-            <a:endParaRPr lang="zh-CN" altLang="en-US">
-              <a:latin typeface="微软雅黑" panose="020B0503020204020204" pitchFamily="34" charset="-122"/>
-              <a:ea typeface="微软雅黑" panose="020B0503020204020204" pitchFamily="34" charset="-122"/>
-            </a:endParaRPr>
           </a:p>
         </p:txBody>
       </p:sp>
@@ -12264,6 +11976,7 @@
           <a:bodyPr>
             <a:normAutofit fontScale="90000" lnSpcReduction="20000"/>
           </a:bodyPr>
+          <a:lstStyle/>
           <a:p>
             <a:pPr>
               <a:lnSpc>
@@ -12614,7 +12327,7 @@
           <p:nvPr/>
         </p:nvPicPr>
         <p:blipFill>
-          <a:blip r:embed="rId1"/>
+          <a:blip r:embed="rId2"/>
           <a:stretch>
             <a:fillRect/>
           </a:stretch>
@@ -12757,6 +12470,7 @@
         <p:spPr/>
         <p:txBody>
           <a:bodyPr/>
+          <a:lstStyle/>
           <a:p>
             <a:r>
               <a:rPr lang="zh-CN" altLang="en-US">
@@ -12765,10 +12479,6 @@
               </a:rPr>
               <a:t>并发视图的风格</a:t>
             </a:r>
-            <a:endParaRPr lang="zh-CN" altLang="en-US">
-              <a:latin typeface="微软雅黑" panose="020B0503020204020204" pitchFamily="34" charset="-122"/>
-              <a:ea typeface="微软雅黑" panose="020B0503020204020204" pitchFamily="34" charset="-122"/>
-            </a:endParaRPr>
           </a:p>
         </p:txBody>
       </p:sp>
@@ -12785,6 +12495,7 @@
         <p:spPr/>
         <p:txBody>
           <a:bodyPr/>
+          <a:lstStyle/>
           <a:p>
             <a:pPr marL="0" indent="0">
               <a:buNone/>
@@ -12796,10 +12507,6 @@
               </a:rPr>
               <a:t>许多风格可以适用于进程视图。例如采用 Garlan 和 Shaw 的分类法,我们可以得到管道和过滤器,或客户端/服务器，以及各种多个客户端/单个服务器和多个客户端/多个服务器的变体。对于更加复杂的系统,可以采用类似于 K.Birman 所描述的ISIS（Intermediate system to intermediate system，中间系统到中间系统）系统中进程组方法以及其它的标注方法和工具。</a:t>
             </a:r>
-            <a:endParaRPr lang="zh-CN" altLang="en-US">
-              <a:latin typeface="微软雅黑" panose="020B0503020204020204" pitchFamily="34" charset="-122"/>
-              <a:ea typeface="微软雅黑" panose="020B0503020204020204" pitchFamily="34" charset="-122"/>
-            </a:endParaRPr>
           </a:p>
           <a:p>
             <a:pPr marL="0" indent="0">
@@ -12957,13 +12664,6 @@
   <p:transition>
     <p:cut/>
   </p:transition>
-  <p:timing>
-    <p:tnLst>
-      <p:par>
-        <p:cTn id="1" dur="indefinite" restart="never" nodeType="tmRoot"/>
-      </p:par>
-    </p:tnLst>
-  </p:timing>
 </p:sld>
 </file>
 
@@ -13304,15 +13004,6 @@
               </a:rPr>
               <a:t>第五部分</a:t>
             </a:r>
-            <a:endParaRPr lang="zh-CN" altLang="en-US" sz="6000" dirty="0">
-              <a:solidFill>
-                <a:schemeClr val="bg1">
-                  <a:lumMod val="95000"/>
-                </a:schemeClr>
-              </a:solidFill>
-              <a:latin typeface="微软雅黑" panose="020B0503020204020204" pitchFamily="34" charset="-122"/>
-              <a:ea typeface="微软雅黑" panose="020B0503020204020204" pitchFamily="34" charset="-122"/>
-            </a:endParaRPr>
           </a:p>
         </p:txBody>
       </p:sp>
@@ -13405,6 +13096,7 @@
         <p:spPr/>
         <p:txBody>
           <a:bodyPr/>
+          <a:lstStyle/>
           <a:p>
             <a:r>
               <a:rPr lang="zh-CN" altLang="en-US">
@@ -13413,10 +13105,6 @@
               </a:rPr>
               <a:t>组件视图</a:t>
             </a:r>
-            <a:endParaRPr lang="zh-CN" altLang="en-US">
-              <a:latin typeface="微软雅黑" panose="020B0503020204020204" pitchFamily="34" charset="-122"/>
-              <a:ea typeface="微软雅黑" panose="020B0503020204020204" pitchFamily="34" charset="-122"/>
-            </a:endParaRPr>
           </a:p>
         </p:txBody>
       </p:sp>
@@ -13433,6 +13121,7 @@
         <p:spPr/>
         <p:txBody>
           <a:bodyPr/>
+          <a:lstStyle/>
           <a:p>
             <a:r>
               <a:rPr lang="zh-CN" altLang="en-US">
@@ -13453,14 +13142,6 @@
               </a:rPr>
               <a:t>组件视图主要由构件图构成。组件视图的使用者是开发人员。</a:t>
             </a:r>
-            <a:endParaRPr lang="zh-CN" altLang="en-US">
-              <a:solidFill>
-                <a:srgbClr val="FF0000"/>
-              </a:solidFill>
-              <a:latin typeface="微软雅黑" panose="020B0503020204020204" pitchFamily="34" charset="-122"/>
-              <a:ea typeface="微软雅黑" panose="020B0503020204020204" pitchFamily="34" charset="-122"/>
-              <a:sym typeface="+mn-ea"/>
-            </a:endParaRPr>
           </a:p>
         </p:txBody>
       </p:sp>
@@ -13568,13 +13249,6 @@
   <p:transition>
     <p:fade/>
   </p:transition>
-  <p:timing>
-    <p:tnLst>
-      <p:par>
-        <p:cTn id="1" dur="indefinite" restart="never" nodeType="tmRoot"/>
-      </p:par>
-    </p:tnLst>
-  </p:timing>
 </p:sld>
 </file>
 
@@ -13608,6 +13282,7 @@
         <p:spPr/>
         <p:txBody>
           <a:bodyPr/>
+          <a:lstStyle/>
           <a:p>
             <a:r>
               <a:rPr lang="zh-CN" altLang="en-US">
@@ -13616,10 +13291,6 @@
               </a:rPr>
               <a:t>物理架构</a:t>
             </a:r>
-            <a:endParaRPr lang="zh-CN" altLang="en-US">
-              <a:latin typeface="微软雅黑" panose="020B0503020204020204" pitchFamily="34" charset="-122"/>
-              <a:ea typeface="微软雅黑" panose="020B0503020204020204" pitchFamily="34" charset="-122"/>
-            </a:endParaRPr>
           </a:p>
         </p:txBody>
       </p:sp>
@@ -13636,6 +13307,7 @@
         <p:spPr/>
         <p:txBody>
           <a:bodyPr/>
+          <a:lstStyle/>
           <a:p>
             <a:pPr marL="0" indent="0">
               <a:buNone/>
@@ -13689,10 +13361,6 @@
               </a:rPr>
               <a:t>，如可用性、可靠性（容错性），性能（吞吐量）和可伸缩性。软件在计算机网络或处理节点上运行，被识别的各种元素（网络、过程、任务和对象），需要被映射至不同的节点；我们希望使用不同的物理配置：一些用于开发和测试，另外一些则用于不同地点和不同客户的部署。因此软件至节点的映射需要高度的灵活性及对源代码产生最小的影响。</a:t>
             </a:r>
-            <a:endParaRPr lang="zh-CN" altLang="en-US">
-              <a:latin typeface="微软雅黑" panose="020B0503020204020204" pitchFamily="34" charset="-122"/>
-              <a:ea typeface="微软雅黑" panose="020B0503020204020204" pitchFamily="34" charset="-122"/>
-            </a:endParaRPr>
           </a:p>
           <a:p>
             <a:pPr marL="0" indent="0">
@@ -13841,13 +13509,6 @@
   <p:transition>
     <p:cut/>
   </p:transition>
-  <p:timing>
-    <p:tnLst>
-      <p:par>
-        <p:cTn id="1" dur="indefinite" restart="never" nodeType="tmRoot"/>
-      </p:par>
-    </p:tnLst>
-  </p:timing>
 </p:sld>
 </file>
 
@@ -13881,6 +13542,7 @@
         <p:spPr/>
         <p:txBody>
           <a:bodyPr/>
+          <a:lstStyle/>
           <a:p>
             <a:r>
               <a:rPr lang="zh-CN" altLang="en-US">
@@ -13889,10 +13551,6 @@
               </a:rPr>
               <a:t>组件视图的表示法</a:t>
             </a:r>
-            <a:endParaRPr lang="zh-CN" altLang="en-US">
-              <a:latin typeface="微软雅黑" panose="020B0503020204020204" pitchFamily="34" charset="-122"/>
-              <a:ea typeface="微软雅黑" panose="020B0503020204020204" pitchFamily="34" charset="-122"/>
-            </a:endParaRPr>
           </a:p>
         </p:txBody>
       </p:sp>
@@ -13916,6 +13574,7 @@
           <a:bodyPr>
             <a:normAutofit fontScale="90000" lnSpcReduction="20000"/>
           </a:bodyPr>
+          <a:lstStyle/>
           <a:p>
             <a:pPr>
               <a:lnSpc>
@@ -14295,7 +13954,7 @@
           <p:nvPr/>
         </p:nvPicPr>
         <p:blipFill>
-          <a:blip r:embed="rId1"/>
+          <a:blip r:embed="rId2"/>
           <a:stretch>
             <a:fillRect/>
           </a:stretch>
@@ -14745,15 +14404,6 @@
               </a:rPr>
               <a:t>第一部分</a:t>
             </a:r>
-            <a:endParaRPr lang="zh-CN" altLang="en-US" sz="6000" dirty="0">
-              <a:solidFill>
-                <a:schemeClr val="bg1">
-                  <a:lumMod val="95000"/>
-                </a:schemeClr>
-              </a:solidFill>
-              <a:latin typeface="微软雅黑" panose="020B0503020204020204" pitchFamily="34" charset="-122"/>
-              <a:ea typeface="微软雅黑" panose="020B0503020204020204" pitchFamily="34" charset="-122"/>
-            </a:endParaRPr>
           </a:p>
         </p:txBody>
       </p:sp>
@@ -14804,15 +14454,6 @@
               </a:rPr>
               <a:t>视图</a:t>
             </a:r>
-            <a:endParaRPr lang="zh-CN" altLang="en-US" sz="3200" dirty="0">
-              <a:solidFill>
-                <a:schemeClr val="bg1">
-                  <a:lumMod val="95000"/>
-                </a:schemeClr>
-              </a:solidFill>
-              <a:latin typeface="微软雅黑" panose="020B0503020204020204" pitchFamily="34" charset="-122"/>
-              <a:ea typeface="微软雅黑" panose="020B0503020204020204" pitchFamily="34" charset="-122"/>
-            </a:endParaRPr>
           </a:p>
         </p:txBody>
       </p:sp>
@@ -15164,15 +14805,6 @@
               </a:rPr>
               <a:t>第六部分</a:t>
             </a:r>
-            <a:endParaRPr lang="zh-CN" altLang="en-US" sz="6000" dirty="0">
-              <a:solidFill>
-                <a:schemeClr val="bg1">
-                  <a:lumMod val="95000"/>
-                </a:schemeClr>
-              </a:solidFill>
-              <a:latin typeface="微软雅黑" panose="020B0503020204020204" pitchFamily="34" charset="-122"/>
-              <a:ea typeface="微软雅黑" panose="020B0503020204020204" pitchFamily="34" charset="-122"/>
-            </a:endParaRPr>
           </a:p>
         </p:txBody>
       </p:sp>
@@ -15265,6 +14897,7 @@
         <p:spPr/>
         <p:txBody>
           <a:bodyPr/>
+          <a:lstStyle/>
           <a:p>
             <a:r>
               <a:rPr lang="zh-CN" altLang="en-US">
@@ -15273,10 +14906,6 @@
               </a:rPr>
               <a:t>部署视图</a:t>
             </a:r>
-            <a:endParaRPr lang="zh-CN" altLang="en-US">
-              <a:latin typeface="微软雅黑" panose="020B0503020204020204" pitchFamily="34" charset="-122"/>
-              <a:ea typeface="微软雅黑" panose="020B0503020204020204" pitchFamily="34" charset="-122"/>
-            </a:endParaRPr>
           </a:p>
         </p:txBody>
       </p:sp>
@@ -15293,6 +14922,7 @@
         <p:spPr/>
         <p:txBody>
           <a:bodyPr/>
+          <a:lstStyle/>
           <a:p>
             <a:r>
               <a:rPr lang="zh-CN" altLang="en-US">
@@ -15427,13 +15057,6 @@
   <p:transition>
     <p:fade/>
   </p:transition>
-  <p:timing>
-    <p:tnLst>
-      <p:par>
-        <p:cTn id="1" dur="indefinite" restart="never" nodeType="tmRoot"/>
-      </p:par>
-    </p:tnLst>
-  </p:timing>
 </p:sld>
 </file>
 
@@ -15467,6 +15090,7 @@
         <p:spPr/>
         <p:txBody>
           <a:bodyPr/>
+          <a:lstStyle/>
           <a:p>
             <a:r>
               <a:rPr lang="zh-CN" altLang="en-US">
@@ -15475,10 +15099,6 @@
               </a:rPr>
               <a:t>开发架构</a:t>
             </a:r>
-            <a:endParaRPr lang="zh-CN" altLang="en-US">
-              <a:latin typeface="微软雅黑" panose="020B0503020204020204" pitchFamily="34" charset="-122"/>
-              <a:ea typeface="微软雅黑" panose="020B0503020204020204" pitchFamily="34" charset="-122"/>
-            </a:endParaRPr>
           </a:p>
         </p:txBody>
       </p:sp>
@@ -15500,8 +15120,9 @@
         </p:spPr>
         <p:txBody>
           <a:bodyPr>
-            <a:normAutofit lnSpcReduction="10000"/>
+            <a:normAutofit/>
           </a:bodyPr>
+          <a:lstStyle/>
           <a:p>
             <a:pPr marL="0" indent="0">
               <a:buNone/>
@@ -15513,10 +15134,6 @@
               </a:rPr>
               <a:t>子系统分解</a:t>
             </a:r>
-            <a:endParaRPr lang="zh-CN" altLang="en-US" b="1">
-              <a:latin typeface="微软雅黑" panose="020B0503020204020204" pitchFamily="34" charset="-122"/>
-              <a:ea typeface="微软雅黑" panose="020B0503020204020204" pitchFamily="34" charset="-122"/>
-            </a:endParaRPr>
           </a:p>
           <a:p>
             <a:pPr marL="0" indent="0">
@@ -15555,10 +15172,6 @@
               </a:rPr>
               <a:t>软件打包成小的程序块（程序库或子系统），它们可以由一位或几位开发人员来开发。子系统可以组织成分层结构，每个层为上一层提供良好定义的接口。</a:t>
             </a:r>
-            <a:endParaRPr lang="zh-CN" altLang="en-US">
-              <a:latin typeface="微软雅黑" panose="020B0503020204020204" pitchFamily="34" charset="-122"/>
-              <a:ea typeface="微软雅黑" panose="020B0503020204020204" pitchFamily="34" charset="-122"/>
-            </a:endParaRPr>
           </a:p>
           <a:p>
             <a:pPr marL="0" indent="0">
@@ -15580,10 +15193,6 @@
               </a:rPr>
               <a:t>系统的开发架构用模块和子系统图来表达，显示了"输出"和"输入"关系。完整的开发架构只有当所有软件元素被识别后才能加以描述。但是，可以列出控制开发架构的规则：分块、分组和可见性。</a:t>
             </a:r>
-            <a:endParaRPr lang="zh-CN" altLang="en-US">
-              <a:latin typeface="微软雅黑" panose="020B0503020204020204" pitchFamily="34" charset="-122"/>
-              <a:ea typeface="微软雅黑" panose="020B0503020204020204" pitchFamily="34" charset="-122"/>
-            </a:endParaRPr>
           </a:p>
           <a:p>
             <a:pPr marL="0" indent="0">
@@ -15732,13 +15341,6 @@
   <p:transition>
     <p:cut/>
   </p:transition>
-  <p:timing>
-    <p:tnLst>
-      <p:par>
-        <p:cTn id="1" dur="indefinite" restart="never" nodeType="tmRoot"/>
-      </p:par>
-    </p:tnLst>
-  </p:timing>
 </p:sld>
 </file>
 
@@ -15777,6 +15379,7 @@
         </p:spPr>
         <p:txBody>
           <a:bodyPr/>
+          <a:lstStyle/>
           <a:p>
             <a:pPr marL="0" indent="0">
               <a:buNone/>
@@ -15950,13 +15553,6 @@
   <p:transition>
     <p:cut/>
   </p:transition>
-  <p:timing>
-    <p:tnLst>
-      <p:par>
-        <p:cTn id="1" dur="indefinite" restart="never" nodeType="tmRoot"/>
-      </p:par>
-    </p:tnLst>
-  </p:timing>
 </p:sld>
 </file>
 
@@ -15990,6 +15586,7 @@
         <p:spPr/>
         <p:txBody>
           <a:bodyPr/>
+          <a:lstStyle/>
           <a:p>
             <a:r>
               <a:rPr lang="zh-CN" altLang="en-US">
@@ -15998,10 +15595,6 @@
               </a:rPr>
               <a:t>部署视图的表示方法</a:t>
             </a:r>
-            <a:endParaRPr lang="zh-CN" altLang="en-US">
-              <a:latin typeface="微软雅黑" panose="020B0503020204020204" pitchFamily="34" charset="-122"/>
-              <a:ea typeface="微软雅黑" panose="020B0503020204020204" pitchFamily="34" charset="-122"/>
-            </a:endParaRPr>
           </a:p>
         </p:txBody>
       </p:sp>
@@ -16018,8 +15611,9 @@
         <p:spPr/>
         <p:txBody>
           <a:bodyPr>
-            <a:normAutofit fontScale="80000"/>
+            <a:normAutofit fontScale="87500" lnSpcReduction="10000"/>
           </a:bodyPr>
+          <a:lstStyle/>
           <a:p>
             <a:pPr>
               <a:lnSpc>
@@ -16324,7 +15918,7 @@
           <p:nvPr/>
         </p:nvPicPr>
         <p:blipFill>
-          <a:blip r:embed="rId1"/>
+          <a:blip r:embed="rId2"/>
           <a:stretch>
             <a:fillRect/>
           </a:stretch>
@@ -16467,6 +16061,7 @@
         <p:spPr/>
         <p:txBody>
           <a:bodyPr/>
+          <a:lstStyle/>
           <a:p>
             <a:r>
               <a:rPr lang="zh-CN" altLang="en-US">
@@ -16475,10 +16070,6 @@
               </a:rPr>
               <a:t>部署视图的风格</a:t>
             </a:r>
-            <a:endParaRPr lang="zh-CN" altLang="en-US">
-              <a:latin typeface="微软雅黑" panose="020B0503020204020204" pitchFamily="34" charset="-122"/>
-              <a:ea typeface="微软雅黑" panose="020B0503020204020204" pitchFamily="34" charset="-122"/>
-            </a:endParaRPr>
           </a:p>
         </p:txBody>
       </p:sp>
@@ -16495,6 +16086,7 @@
         <p:spPr/>
         <p:txBody>
           <a:bodyPr/>
+          <a:lstStyle/>
           <a:p>
             <a:pPr marL="0" indent="0">
               <a:buNone/>
@@ -16506,10 +16098,6 @@
               </a:rPr>
               <a:t>推荐使用分层的风格，定义 4 到 6 个子系统层。每层均具有良好定义的职责。设计规则是某层子系统依赖同一层或低一层的子系统，从而最大程度地减少了具有复杂模块依赖关系的网络的开发量，得到层次式的简单策略。</a:t>
             </a:r>
-            <a:endParaRPr lang="zh-CN" altLang="en-US">
-              <a:latin typeface="微软雅黑" panose="020B0503020204020204" pitchFamily="34" charset="-122"/>
-              <a:ea typeface="微软雅黑" panose="020B0503020204020204" pitchFamily="34" charset="-122"/>
-            </a:endParaRPr>
           </a:p>
           <a:p>
             <a:pPr marL="0" indent="0">
@@ -16667,13 +16255,6 @@
   <p:transition>
     <p:cut/>
   </p:transition>
-  <p:timing>
-    <p:tnLst>
-      <p:par>
-        <p:cTn id="1" dur="indefinite" restart="never" nodeType="tmRoot"/>
-      </p:par>
-    </p:tnLst>
-  </p:timing>
 </p:sld>
 </file>
 
@@ -17014,15 +16595,6 @@
               </a:rPr>
               <a:t>第七部分</a:t>
             </a:r>
-            <a:endParaRPr lang="zh-CN" altLang="en-US" sz="6000" dirty="0">
-              <a:solidFill>
-                <a:schemeClr val="bg1">
-                  <a:lumMod val="95000"/>
-                </a:schemeClr>
-              </a:solidFill>
-              <a:latin typeface="微软雅黑" panose="020B0503020204020204" pitchFamily="34" charset="-122"/>
-              <a:ea typeface="微软雅黑" panose="020B0503020204020204" pitchFamily="34" charset="-122"/>
-            </a:endParaRPr>
           </a:p>
         </p:txBody>
       </p:sp>
@@ -17115,6 +16687,7 @@
         <p:spPr/>
         <p:txBody>
           <a:bodyPr/>
+          <a:lstStyle/>
           <a:p>
             <a:r>
               <a:rPr lang="zh-CN" altLang="en-US">
@@ -17123,10 +16696,6 @@
               </a:rPr>
               <a:t>视图之间的对应性</a:t>
             </a:r>
-            <a:endParaRPr lang="zh-CN" altLang="en-US">
-              <a:latin typeface="微软雅黑" panose="020B0503020204020204" pitchFamily="34" charset="-122"/>
-              <a:ea typeface="微软雅黑" panose="020B0503020204020204" pitchFamily="34" charset="-122"/>
-            </a:endParaRPr>
           </a:p>
         </p:txBody>
       </p:sp>
@@ -17143,6 +16712,7 @@
         <p:spPr/>
         <p:txBody>
           <a:bodyPr/>
+          <a:lstStyle/>
           <a:p>
             <a:pPr marL="0" indent="0">
               <a:buNone/>
@@ -17154,10 +16724,6 @@
               </a:rPr>
               <a:t>各种视图并不是完全是正交的或独立的。视图的元素根据某种设计规则和启发式方法与其他视图中的元素相关联。</a:t>
             </a:r>
-            <a:endParaRPr lang="zh-CN" altLang="en-US">
-              <a:latin typeface="微软雅黑" panose="020B0503020204020204" pitchFamily="34" charset="-122"/>
-              <a:ea typeface="微软雅黑" panose="020B0503020204020204" pitchFamily="34" charset="-122"/>
-            </a:endParaRPr>
           </a:p>
           <a:p>
             <a:pPr marL="0" indent="0">
@@ -17315,13 +16881,6 @@
   <p:transition>
     <p:fade/>
   </p:transition>
-  <p:timing>
-    <p:tnLst>
-      <p:par>
-        <p:cTn id="1" dur="indefinite" restart="never" nodeType="tmRoot"/>
-      </p:par>
-    </p:tnLst>
-  </p:timing>
 </p:sld>
 </file>
 
@@ -17355,6 +16914,7 @@
         <p:spPr/>
         <p:txBody>
           <a:bodyPr/>
+          <a:lstStyle/>
           <a:p>
             <a:r>
               <a:rPr lang="zh-CN" altLang="en-US">
@@ -17363,10 +16923,6 @@
               </a:rPr>
               <a:t>从逻辑视图到并发视图</a:t>
             </a:r>
-            <a:endParaRPr lang="zh-CN" altLang="en-US">
-              <a:latin typeface="微软雅黑" panose="020B0503020204020204" pitchFamily="34" charset="-122"/>
-              <a:ea typeface="微软雅黑" panose="020B0503020204020204" pitchFamily="34" charset="-122"/>
-            </a:endParaRPr>
           </a:p>
         </p:txBody>
       </p:sp>
@@ -17390,6 +16946,7 @@
           <a:bodyPr>
             <a:normAutofit/>
           </a:bodyPr>
+          <a:lstStyle/>
           <a:p>
             <a:pPr marL="0" indent="0">
               <a:buNone/>
@@ -17401,10 +16958,6 @@
               </a:rPr>
               <a:t>逻辑架构有几项重要特性：</a:t>
             </a:r>
-            <a:endParaRPr lang="zh-CN" altLang="en-US">
-              <a:latin typeface="微软雅黑" panose="020B0503020204020204" pitchFamily="34" charset="-122"/>
-              <a:ea typeface="微软雅黑" panose="020B0503020204020204" pitchFamily="34" charset="-122"/>
-            </a:endParaRPr>
           </a:p>
           <a:p>
             <a:pPr marL="0" indent="0">
@@ -17427,10 +16980,6 @@
               </a:rPr>
               <a:t>：对象是主动的、被动的还是被保护的？</a:t>
             </a:r>
-            <a:endParaRPr lang="zh-CN" altLang="en-US">
-              <a:latin typeface="微软雅黑" panose="020B0503020204020204" pitchFamily="34" charset="-122"/>
-              <a:ea typeface="微软雅黑" panose="020B0503020204020204" pitchFamily="34" charset="-122"/>
-            </a:endParaRPr>
           </a:p>
           <a:p>
             <a:pPr marL="0" indent="0">
@@ -17453,13 +17002,6 @@
               </a:rPr>
               <a:t>主动对象享有调用其他对象或其自身操作的主动权，并且当其他对象对其进行调用时，具有对其自身操作的完全控制权。</a:t>
             </a:r>
-            <a:endParaRPr lang="zh-CN" altLang="en-US">
-              <a:solidFill>
-                <a:schemeClr val="tx1"/>
-              </a:solidFill>
-              <a:latin typeface="微软雅黑" panose="020B0503020204020204" pitchFamily="34" charset="-122"/>
-              <a:ea typeface="微软雅黑" panose="020B0503020204020204" pitchFamily="34" charset="-122"/>
-            </a:endParaRPr>
           </a:p>
           <a:p>
             <a:pPr marL="0" indent="0">
@@ -17492,10 +17034,6 @@
               </a:rPr>
               <a:t>不能主动调用任何操作，对其他对象调用自身的操作没有控制。</a:t>
             </a:r>
-            <a:endParaRPr lang="zh-CN" altLang="en-US">
-              <a:latin typeface="微软雅黑" panose="020B0503020204020204" pitchFamily="34" charset="-122"/>
-              <a:ea typeface="微软雅黑" panose="020B0503020204020204" pitchFamily="34" charset="-122"/>
-            </a:endParaRPr>
           </a:p>
           <a:p>
             <a:pPr marL="0" indent="0">
@@ -17521,13 +17059,6 @@
               </a:rPr>
               <a:t>被保护对象不能主动调用任何操作。但对自身的操作有一定的控制功能。</a:t>
             </a:r>
-            <a:endParaRPr lang="zh-CN" altLang="en-US">
-              <a:solidFill>
-                <a:schemeClr val="tx1"/>
-              </a:solidFill>
-              <a:latin typeface="微软雅黑" panose="020B0503020204020204" pitchFamily="34" charset="-122"/>
-              <a:ea typeface="微软雅黑" panose="020B0503020204020204" pitchFamily="34" charset="-122"/>
-            </a:endParaRPr>
           </a:p>
           <a:p>
             <a:pPr marL="0" indent="0">
@@ -17694,13 +17225,6 @@
   <p:transition>
     <p:cut/>
   </p:transition>
-  <p:timing>
-    <p:tnLst>
-      <p:par>
-        <p:cTn id="1" dur="indefinite" restart="never" nodeType="tmRoot"/>
-      </p:par>
-    </p:tnLst>
-  </p:timing>
 </p:sld>
 </file>
 
@@ -17739,6 +17263,7 @@
         </p:spPr>
         <p:txBody>
           <a:bodyPr/>
+          <a:lstStyle/>
           <a:p>
             <a:pPr marL="0" indent="0">
               <a:buNone/>
@@ -17818,11 +17343,6 @@
               </a:rPr>
               <a:t>：对象的状态或操作是否能被物理架构中的许多节点所访问？或是被进程架构中的几个进程所访问？</a:t>
             </a:r>
-            <a:endParaRPr lang="zh-CN" altLang="en-US">
-              <a:latin typeface="微软雅黑" panose="020B0503020204020204" pitchFamily="34" charset="-122"/>
-              <a:ea typeface="微软雅黑" panose="020B0503020204020204" pitchFamily="34" charset="-122"/>
-              <a:sym typeface="+mn-ea"/>
-            </a:endParaRPr>
           </a:p>
           <a:p>
             <a:pPr marL="0" indent="0">
@@ -17989,13 +17509,6 @@
   <p:transition>
     <p:cut/>
   </p:transition>
-  <p:timing>
-    <p:tnLst>
-      <p:par>
-        <p:cTn id="1" dur="indefinite" restart="never" nodeType="tmRoot"/>
-      </p:par>
-    </p:tnLst>
-  </p:timing>
 </p:sld>
 </file>
 
@@ -18138,15 +17651,6 @@
               </a:rPr>
               <a:t>    欲用单张视图来捕捉所有的系统架构要点，有时架构并不能解决所有"客户"（"风险承担人"）所关注的问题。所以建议使用多个并发的视图来组织软件架构的描述，每个视图仅用来描述一个特定的所关注的方面的集合。</a:t>
             </a:r>
-            <a:endParaRPr lang="zh-CN" altLang="en-US" dirty="0">
-              <a:solidFill>
-                <a:schemeClr val="tx1"/>
-              </a:solidFill>
-              <a:latin typeface="微软雅黑" panose="020B0503020204020204" pitchFamily="34" charset="-122"/>
-              <a:ea typeface="微软雅黑" panose="020B0503020204020204" pitchFamily="34" charset="-122"/>
-              <a:cs typeface="微软雅黑" panose="020B0503020204020204" pitchFamily="34" charset="-122"/>
-              <a:sym typeface="+mn-ea"/>
-            </a:endParaRPr>
           </a:p>
           <a:p>
             <a:pPr marL="0" indent="0">
@@ -18307,13 +17811,6 @@
   <p:transition>
     <p:fade/>
   </p:transition>
-  <p:timing>
-    <p:tnLst>
-      <p:par>
-        <p:cTn id="1" dur="indefinite" restart="never" nodeType="tmRoot"/>
-      </p:par>
-    </p:tnLst>
-  </p:timing>
 </p:sld>
 </file>
 
@@ -18352,6 +17849,7 @@
         </p:spPr>
         <p:txBody>
           <a:bodyPr/>
+          <a:lstStyle/>
           <a:p>
             <a:pPr marL="0" indent="0">
               <a:buNone/>
@@ -18569,13 +18067,6 @@
   <p:transition>
     <p:cut/>
   </p:transition>
-  <p:timing>
-    <p:tnLst>
-      <p:par>
-        <p:cTn id="1" dur="indefinite" restart="never" nodeType="tmRoot"/>
-      </p:par>
-    </p:tnLst>
-  </p:timing>
 </p:sld>
 </file>
 
@@ -18614,8 +18105,9 @@
         </p:spPr>
         <p:txBody>
           <a:bodyPr>
-            <a:normAutofit lnSpcReduction="10000"/>
+            <a:normAutofit/>
           </a:bodyPr>
+          <a:lstStyle/>
           <a:p>
             <a:pPr marL="0" indent="0">
               <a:buNone/>
@@ -18627,10 +18119,6 @@
               </a:rPr>
               <a:t>另一方面，由于以下几种原因需要多个控制线程。</a:t>
             </a:r>
-            <a:endParaRPr lang="zh-CN" altLang="en-US">
-              <a:latin typeface="微软雅黑" panose="020B0503020204020204" pitchFamily="34" charset="-122"/>
-              <a:ea typeface="微软雅黑" panose="020B0503020204020204" pitchFamily="34" charset="-122"/>
-            </a:endParaRPr>
           </a:p>
           <a:p>
             <a:pPr marL="0" indent="0">
@@ -18657,10 +18145,6 @@
               </a:rPr>
               <a:t>）为了快速响应某类外部触发，包括与时间相关的事件。</a:t>
             </a:r>
-            <a:endParaRPr lang="zh-CN" altLang="en-US">
-              <a:latin typeface="微软雅黑" panose="020B0503020204020204" pitchFamily="34" charset="-122"/>
-              <a:ea typeface="微软雅黑" panose="020B0503020204020204" pitchFamily="34" charset="-122"/>
-            </a:endParaRPr>
           </a:p>
           <a:p>
             <a:pPr marL="0" indent="0">
@@ -18687,10 +18171,6 @@
               </a:rPr>
               <a:t>）为了在一个节点中利用多个 CPU，或者在一个分布式系统中利用多个节点。</a:t>
             </a:r>
-            <a:endParaRPr lang="zh-CN" altLang="en-US">
-              <a:latin typeface="微软雅黑" panose="020B0503020204020204" pitchFamily="34" charset="-122"/>
-              <a:ea typeface="微软雅黑" panose="020B0503020204020204" pitchFamily="34" charset="-122"/>
-            </a:endParaRPr>
           </a:p>
           <a:p>
             <a:pPr marL="0" indent="0">
@@ -18731,10 +18211,6 @@
               </a:rPr>
               <a:t>他活动结束的时候（例如，访问外部对象其他活动对象时），为其他的活动分配 CPU。</a:t>
             </a:r>
-            <a:endParaRPr lang="zh-CN" altLang="en-US">
-              <a:latin typeface="微软雅黑" panose="020B0503020204020204" pitchFamily="34" charset="-122"/>
-              <a:ea typeface="微软雅黑" panose="020B0503020204020204" pitchFamily="34" charset="-122"/>
-            </a:endParaRPr>
           </a:p>
           <a:p>
             <a:pPr marL="0" indent="0">
@@ -18761,10 +18237,6 @@
               </a:rPr>
               <a:t>）为了划分活动的优先级（提高潜在的响应能力）。</a:t>
             </a:r>
-            <a:endParaRPr lang="zh-CN" altLang="en-US">
-              <a:latin typeface="微软雅黑" panose="020B0503020204020204" pitchFamily="34" charset="-122"/>
-              <a:ea typeface="微软雅黑" panose="020B0503020204020204" pitchFamily="34" charset="-122"/>
-            </a:endParaRPr>
           </a:p>
           <a:p>
             <a:pPr marL="0" indent="0">
@@ -18791,10 +18263,6 @@
               </a:rPr>
               <a:t>）为了支持系统的可伸缩性（借助于共享负载的其他过程）。</a:t>
             </a:r>
-            <a:endParaRPr lang="zh-CN" altLang="en-US">
-              <a:latin typeface="微软雅黑" panose="020B0503020204020204" pitchFamily="34" charset="-122"/>
-              <a:ea typeface="微软雅黑" panose="020B0503020204020204" pitchFamily="34" charset="-122"/>
-            </a:endParaRPr>
           </a:p>
           <a:p>
             <a:pPr marL="0" indent="0">
@@ -18821,10 +18289,6 @@
               </a:rPr>
               <a:t>）为了在软件的不同领域分离关注点。</a:t>
             </a:r>
-            <a:endParaRPr lang="zh-CN" altLang="en-US">
-              <a:latin typeface="微软雅黑" panose="020B0503020204020204" pitchFamily="34" charset="-122"/>
-              <a:ea typeface="微软雅黑" panose="020B0503020204020204" pitchFamily="34" charset="-122"/>
-            </a:endParaRPr>
           </a:p>
           <a:p>
             <a:pPr marL="0" indent="0">
@@ -18851,10 +18315,6 @@
               </a:rPr>
               <a:t>）为了提高系统的可用性（通过 Backup 过程）。</a:t>
             </a:r>
-            <a:endParaRPr lang="zh-CN" altLang="en-US">
-              <a:latin typeface="微软雅黑" panose="020B0503020204020204" pitchFamily="34" charset="-122"/>
-              <a:ea typeface="微软雅黑" panose="020B0503020204020204" pitchFamily="34" charset="-122"/>
-            </a:endParaRPr>
           </a:p>
           <a:p>
             <a:pPr marL="0" indent="0">
@@ -19003,13 +18463,6 @@
   <p:transition>
     <p:cut/>
   </p:transition>
-  <p:timing>
-    <p:tnLst>
-      <p:par>
-        <p:cTn id="1" dur="indefinite" restart="never" nodeType="tmRoot"/>
-      </p:par>
-    </p:tnLst>
-  </p:timing>
 </p:sld>
 </file>
 
@@ -19048,8 +18501,9 @@
         </p:spPr>
         <p:txBody>
           <a:bodyPr>
-            <a:normAutofit fontScale="90000"/>
+            <a:normAutofit fontScale="97500"/>
           </a:bodyPr>
+          <a:lstStyle/>
           <a:p>
             <a:pPr marL="0" indent="0">
               <a:buNone/>
@@ -19061,10 +18515,6 @@
               </a:rPr>
               <a:t>我们同时使用两种策略来决定并发的程度和定义所需的过程集合。考虑一系列潜在的物理目标架构。以下两种形式我们可以任选其一：</a:t>
             </a:r>
-            <a:endParaRPr lang="zh-CN" altLang="en-US">
-              <a:latin typeface="微软雅黑" panose="020B0503020204020204" pitchFamily="34" charset="-122"/>
-              <a:ea typeface="微软雅黑" panose="020B0503020204020204" pitchFamily="34" charset="-122"/>
-            </a:endParaRPr>
           </a:p>
           <a:p>
             <a:pPr marL="0" indent="0">
@@ -19087,10 +18537,6 @@
               </a:rPr>
               <a:t>: </a:t>
             </a:r>
-            <a:endParaRPr lang="zh-CN" altLang="en-US">
-              <a:latin typeface="微软雅黑" panose="020B0503020204020204" pitchFamily="34" charset="-122"/>
-              <a:ea typeface="微软雅黑" panose="020B0503020204020204" pitchFamily="34" charset="-122"/>
-            </a:endParaRPr>
           </a:p>
           <a:p>
             <a:pPr marL="0" indent="0">
@@ -19103,10 +18549,6 @@
               </a:rPr>
               <a:t>由逻辑架构开始：定义代理任务，该任务将控制一个类的多个活动对象的单个线程进行多元化处理；同一代理任务还执行持久化处理那些依赖于一个主动对象的对象；需要相互进行操作的几个类或仅需要少量处理的类共享单个代理。这种聚合会一直进行，直到我们将过程减少到合理的较少数量，而仍允许分布性和对物理资源的使用。</a:t>
             </a:r>
-            <a:endParaRPr lang="zh-CN" altLang="en-US">
-              <a:latin typeface="微软雅黑" panose="020B0503020204020204" pitchFamily="34" charset="-122"/>
-              <a:ea typeface="微软雅黑" panose="020B0503020204020204" pitchFamily="34" charset="-122"/>
-            </a:endParaRPr>
           </a:p>
           <a:p>
             <a:pPr marL="0" indent="0">
@@ -19129,10 +18571,6 @@
               </a:rPr>
               <a:t>: </a:t>
             </a:r>
-            <a:endParaRPr lang="zh-CN" altLang="en-US">
-              <a:latin typeface="微软雅黑" panose="020B0503020204020204" pitchFamily="34" charset="-122"/>
-              <a:ea typeface="微软雅黑" panose="020B0503020204020204" pitchFamily="34" charset="-122"/>
-            </a:endParaRPr>
           </a:p>
           <a:p>
             <a:pPr marL="0" indent="0">
@@ -19145,10 +18583,6 @@
               </a:rPr>
               <a:t>从物理结构开始：识别系统的外部触发；定义处理触发的客户过程和仅提供服务（而非初始化它们）的服务器进程；使用数据完整性和问题的串行化约束来定义正确的服务器设置，并且为客户机与服务器代理分配对象；识别出必须分布哪些对象。</a:t>
             </a:r>
-            <a:endParaRPr lang="zh-CN" altLang="en-US">
-              <a:latin typeface="微软雅黑" panose="020B0503020204020204" pitchFamily="34" charset="-122"/>
-              <a:ea typeface="微软雅黑" panose="020B0503020204020204" pitchFamily="34" charset="-122"/>
-            </a:endParaRPr>
           </a:p>
           <a:p>
             <a:pPr marL="0" indent="0">
@@ -19306,13 +18740,6 @@
   <p:transition>
     <p:cut/>
   </p:transition>
-  <p:timing>
-    <p:tnLst>
-      <p:par>
-        <p:cTn id="1" dur="indefinite" restart="never" nodeType="tmRoot"/>
-      </p:par>
-    </p:tnLst>
-  </p:timing>
 </p:sld>
 </file>
 
@@ -19351,6 +18778,7 @@
         </p:spPr>
         <p:txBody>
           <a:bodyPr/>
+          <a:lstStyle/>
           <a:p>
             <a:pPr marL="0" indent="0">
               <a:buNone/>
@@ -19372,10 +18800,6 @@
               </a:rPr>
               <a:t>通常，活动类具有代理任务，也存在一些变形：对于给定的类，使用多个代理以提高吞吐量，或者多个类映射至单个代理，因为它们的操作并不是频繁地被调用，或者是为了保证执行序列。</a:t>
             </a:r>
-            <a:endParaRPr lang="zh-CN" altLang="en-US">
-              <a:latin typeface="微软雅黑" panose="020B0503020204020204" pitchFamily="34" charset="-122"/>
-              <a:ea typeface="微软雅黑" panose="020B0503020204020204" pitchFamily="34" charset="-122"/>
-            </a:endParaRPr>
           </a:p>
           <a:p>
             <a:pPr marL="0" indent="0">
@@ -19533,13 +18957,6 @@
   <p:transition>
     <p:cut/>
   </p:transition>
-  <p:timing>
-    <p:tnLst>
-      <p:par>
-        <p:cTn id="1" dur="indefinite" restart="never" nodeType="tmRoot"/>
-      </p:par>
-    </p:tnLst>
-  </p:timing>
 </p:sld>
 </file>
 
@@ -19573,6 +18990,7 @@
         <p:spPr/>
         <p:txBody>
           <a:bodyPr/>
+          <a:lstStyle/>
           <a:p>
             <a:r>
               <a:rPr lang="zh-CN" altLang="en-US">
@@ -19581,10 +18999,6 @@
               </a:rPr>
               <a:t>从逻辑视图到部署视图</a:t>
             </a:r>
-            <a:endParaRPr lang="zh-CN" altLang="en-US">
-              <a:latin typeface="微软雅黑" panose="020B0503020204020204" pitchFamily="34" charset="-122"/>
-              <a:ea typeface="微软雅黑" panose="020B0503020204020204" pitchFamily="34" charset="-122"/>
-            </a:endParaRPr>
           </a:p>
         </p:txBody>
       </p:sp>
@@ -19601,6 +19015,7 @@
         <p:spPr/>
         <p:txBody>
           <a:bodyPr/>
+          <a:lstStyle/>
           <a:p>
             <a:pPr marL="0" indent="0">
               <a:buNone/>
@@ -19629,10 +19044,6 @@
               </a:rPr>
               <a:t>。子系统的定义必须考虑额外的约束，如团队组织、期望的代码规模、可重用性和通用性的程度以及严格的分层依据（可视性问题），发布策略和配置管理。所以，通常最后得到的不是与逻辑视图逐一对应的视图。</a:t>
             </a:r>
-            <a:endParaRPr lang="zh-CN" altLang="en-US">
-              <a:latin typeface="微软雅黑" panose="020B0503020204020204" pitchFamily="34" charset="-122"/>
-              <a:ea typeface="微软雅黑" panose="020B0503020204020204" pitchFamily="34" charset="-122"/>
-            </a:endParaRPr>
           </a:p>
           <a:p>
             <a:pPr marL="0" indent="0">
@@ -19646,11 +19057,6 @@
               </a:rPr>
               <a:t>逻辑视图和部署视图非常接近，但具有不同的关注点。我们发现项目规模越大，视图间的差距也越大。</a:t>
             </a:r>
-            <a:endParaRPr lang="zh-CN" altLang="en-US">
-              <a:latin typeface="微软雅黑" panose="020B0503020204020204" pitchFamily="34" charset="-122"/>
-              <a:ea typeface="微软雅黑" panose="020B0503020204020204" pitchFamily="34" charset="-122"/>
-              <a:sym typeface="+mn-ea"/>
-            </a:endParaRPr>
           </a:p>
           <a:p>
             <a:pPr marL="0" indent="0">
@@ -19817,13 +19223,6 @@
   <p:transition>
     <p:cut/>
   </p:transition>
-  <p:timing>
-    <p:tnLst>
-      <p:par>
-        <p:cTn id="1" dur="indefinite" restart="never" nodeType="tmRoot"/>
-      </p:par>
-    </p:tnLst>
-  </p:timing>
 </p:sld>
 </file>
 
@@ -19857,6 +19256,7 @@
         <p:spPr/>
         <p:txBody>
           <a:bodyPr/>
+          <a:lstStyle/>
           <a:p>
             <a:r>
               <a:rPr lang="zh-CN" altLang="en-US">
@@ -19865,10 +19265,6 @@
               </a:rPr>
               <a:t>从并发视图到组件视图</a:t>
             </a:r>
-            <a:endParaRPr lang="zh-CN" altLang="en-US">
-              <a:latin typeface="微软雅黑" panose="020B0503020204020204" pitchFamily="34" charset="-122"/>
-              <a:ea typeface="微软雅黑" panose="020B0503020204020204" pitchFamily="34" charset="-122"/>
-            </a:endParaRPr>
           </a:p>
         </p:txBody>
       </p:sp>
@@ -19885,6 +19281,7 @@
         <p:spPr/>
         <p:txBody>
           <a:bodyPr/>
+          <a:lstStyle/>
           <a:p>
             <a:pPr marL="0" indent="0">
               <a:buNone/>
@@ -19896,10 +19293,6 @@
               </a:rPr>
               <a:t>进程和进程组以不同的测试和部署配置映射至可用的物理硬件。Birman 在 ISIS 项目中描述了详细的映射模式。</a:t>
             </a:r>
-            <a:endParaRPr lang="zh-CN" altLang="en-US">
-              <a:latin typeface="微软雅黑" panose="020B0503020204020204" pitchFamily="34" charset="-122"/>
-              <a:ea typeface="微软雅黑" panose="020B0503020204020204" pitchFamily="34" charset="-122"/>
-            </a:endParaRPr>
           </a:p>
           <a:p>
             <a:pPr marL="0" indent="0">
@@ -19921,10 +19314,6 @@
               </a:rPr>
               <a:t>用例主要以所使用类的形式与逻辑视图相关联；而与并发视图的关联则是考虑了一个或多个控制线程的、对象间的交互形式。</a:t>
             </a:r>
-            <a:endParaRPr lang="zh-CN" altLang="en-US">
-              <a:latin typeface="微软雅黑" panose="020B0503020204020204" pitchFamily="34" charset="-122"/>
-              <a:ea typeface="微软雅黑" panose="020B0503020204020204" pitchFamily="34" charset="-122"/>
-            </a:endParaRPr>
           </a:p>
           <a:p>
             <a:pPr marL="0" indent="0">
@@ -20082,13 +19471,6 @@
   <p:transition>
     <p:cut/>
   </p:transition>
-  <p:timing>
-    <p:tnLst>
-      <p:par>
-        <p:cTn id="1" dur="indefinite" restart="never" nodeType="tmRoot"/>
-      </p:par>
-    </p:tnLst>
-  </p:timing>
 </p:sld>
 </file>
 
@@ -20429,15 +19811,6 @@
               </a:rPr>
               <a:t>第八部分</a:t>
             </a:r>
-            <a:endParaRPr lang="zh-CN" altLang="en-US" sz="6000" dirty="0">
-              <a:solidFill>
-                <a:schemeClr val="bg1">
-                  <a:lumMod val="95000"/>
-                </a:schemeClr>
-              </a:solidFill>
-              <a:latin typeface="微软雅黑" panose="020B0503020204020204" pitchFamily="34" charset="-122"/>
-              <a:ea typeface="微软雅黑" panose="020B0503020204020204" pitchFamily="34" charset="-122"/>
-            </a:endParaRPr>
           </a:p>
         </p:txBody>
       </p:sp>
@@ -20477,15 +19850,6 @@
               </a:rPr>
               <a:t>迭代过程</a:t>
             </a:r>
-            <a:endParaRPr lang="zh-CN" sz="3200" dirty="0">
-              <a:solidFill>
-                <a:schemeClr val="bg1">
-                  <a:lumMod val="95000"/>
-                </a:schemeClr>
-              </a:solidFill>
-              <a:latin typeface="微软雅黑" panose="020B0503020204020204" pitchFamily="34" charset="-122"/>
-              <a:ea typeface="微软雅黑" panose="020B0503020204020204" pitchFamily="34" charset="-122"/>
-            </a:endParaRPr>
           </a:p>
         </p:txBody>
       </p:sp>
@@ -20530,6 +19894,7 @@
         <p:spPr/>
         <p:txBody>
           <a:bodyPr/>
+          <a:lstStyle/>
           <a:p>
             <a:r>
               <a:rPr lang="zh-CN" altLang="en-US">
@@ -20538,10 +19903,6 @@
               </a:rPr>
               <a:t>迭代过程</a:t>
             </a:r>
-            <a:endParaRPr lang="zh-CN" altLang="en-US">
-              <a:latin typeface="微软雅黑" panose="020B0503020204020204" pitchFamily="34" charset="-122"/>
-              <a:ea typeface="微软雅黑" panose="020B0503020204020204" pitchFamily="34" charset="-122"/>
-            </a:endParaRPr>
           </a:p>
         </p:txBody>
       </p:sp>
@@ -20563,6 +19924,7 @@
         </p:spPr>
         <p:txBody>
           <a:bodyPr/>
+          <a:lstStyle/>
           <a:p>
             <a:pPr marL="0" indent="0">
               <a:buNone/>
@@ -20584,10 +19946,6 @@
               </a:rPr>
               <a:t>该方法除了减少与架构相关的风险之外，对于项目而言还有其他优点：团队合作、培训，加深对架构的理解，深入程序和工具等等（此处提及的是演进的原形，逐渐发展成为系统，而不是一次性的试验性的原形）。这种迭代方法还能够使需求被细化、成熟化并能够被更好地理解。</a:t>
             </a:r>
-            <a:endParaRPr lang="zh-CN" altLang="en-US">
-              <a:latin typeface="微软雅黑" panose="020B0503020204020204" pitchFamily="34" charset="-122"/>
-              <a:ea typeface="微软雅黑" panose="020B0503020204020204" pitchFamily="34" charset="-122"/>
-            </a:endParaRPr>
           </a:p>
           <a:p>
             <a:pPr marL="0" indent="0">
@@ -20745,13 +20103,6 @@
   <p:transition>
     <p:fade/>
   </p:transition>
-  <p:timing>
-    <p:tnLst>
-      <p:par>
-        <p:cTn id="1" dur="indefinite" restart="never" nodeType="tmRoot"/>
-      </p:par>
-    </p:tnLst>
-  </p:timing>
 </p:sld>
 </file>
 
@@ -20785,6 +20136,7 @@
         <p:spPr/>
         <p:txBody>
           <a:bodyPr/>
+          <a:lstStyle/>
           <a:p>
             <a:r>
               <a:rPr lang="zh-CN" altLang="en-US">
@@ -20793,10 +20145,6 @@
               </a:rPr>
               <a:t>用例驱动的方法</a:t>
             </a:r>
-            <a:endParaRPr lang="zh-CN" altLang="en-US">
-              <a:latin typeface="微软雅黑" panose="020B0503020204020204" pitchFamily="34" charset="-122"/>
-              <a:ea typeface="微软雅黑" panose="020B0503020204020204" pitchFamily="34" charset="-122"/>
-            </a:endParaRPr>
           </a:p>
         </p:txBody>
       </p:sp>
@@ -20813,6 +20161,7 @@
         <p:spPr/>
         <p:txBody>
           <a:bodyPr/>
+          <a:lstStyle/>
           <a:p>
             <a:pPr marL="0" indent="0">
               <a:buNone/>
@@ -20824,10 +20173,6 @@
               </a:rPr>
               <a:t>系统大多数关键的功能以用例的形式被捕获。关键意味着：最重要的功能，系统存在的理由，或使用频率最高的功能，或体现了必须减轻的一些重要的技术风险。</a:t>
             </a:r>
-            <a:endParaRPr lang="zh-CN" altLang="en-US">
-              <a:latin typeface="微软雅黑" panose="020B0503020204020204" pitchFamily="34" charset="-122"/>
-              <a:ea typeface="微软雅黑" panose="020B0503020204020204" pitchFamily="34" charset="-122"/>
-            </a:endParaRPr>
           </a:p>
           <a:p>
             <a:pPr marL="0" indent="0">
@@ -20985,13 +20330,6 @@
   <p:transition>
     <p:cut/>
   </p:transition>
-  <p:timing>
-    <p:tnLst>
-      <p:par>
-        <p:cTn id="1" dur="indefinite" restart="never" nodeType="tmRoot"/>
-      </p:par>
-    </p:tnLst>
-  </p:timing>
 </p:sld>
 </file>
 
@@ -21025,6 +20363,7 @@
         <p:spPr/>
         <p:txBody>
           <a:bodyPr/>
+          <a:lstStyle/>
           <a:p>
             <a:r>
               <a:rPr lang="zh-CN" altLang="en-US">
@@ -21033,10 +20372,6 @@
               </a:rPr>
               <a:t>开始阶段</a:t>
             </a:r>
-            <a:endParaRPr lang="zh-CN" altLang="en-US">
-              <a:latin typeface="微软雅黑" panose="020B0503020204020204" pitchFamily="34" charset="-122"/>
-              <a:ea typeface="微软雅黑" panose="020B0503020204020204" pitchFamily="34" charset="-122"/>
-            </a:endParaRPr>
           </a:p>
         </p:txBody>
       </p:sp>
@@ -21055,6 +20390,7 @@
           <a:bodyPr>
             <a:normAutofit lnSpcReduction="10000"/>
           </a:bodyPr>
+          <a:lstStyle/>
           <a:p>
             <a:pPr marL="0" indent="0">
               <a:buNone/>
@@ -21095,10 +20431,6 @@
               </a:rPr>
               <a:t>可能被归纳为对若干用户需求的抽象。</a:t>
             </a:r>
-            <a:endParaRPr lang="zh-CN" altLang="en-US">
-              <a:latin typeface="微软雅黑" panose="020B0503020204020204" pitchFamily="34" charset="-122"/>
-              <a:ea typeface="微软雅黑" panose="020B0503020204020204" pitchFamily="34" charset="-122"/>
-            </a:endParaRPr>
           </a:p>
           <a:p>
             <a:pPr marL="0" indent="0">
@@ -21140,10 +20472,6 @@
               </a:rPr>
               <a:t>进行"描述"，以识别主要的抽象（类、机制、过程、子系统）。</a:t>
             </a:r>
-            <a:endParaRPr lang="zh-CN" altLang="en-US">
-              <a:latin typeface="微软雅黑" panose="020B0503020204020204" pitchFamily="34" charset="-122"/>
-              <a:ea typeface="微软雅黑" panose="020B0503020204020204" pitchFamily="34" charset="-122"/>
-            </a:endParaRPr>
           </a:p>
           <a:p>
             <a:pPr marL="0" indent="0">
@@ -21170,10 +20498,6 @@
               </a:rPr>
               <a:t>）所发现的架构元素被分布到 4 个蓝图中：逻辑蓝图、并发蓝图、部署蓝图和组件蓝图。</a:t>
             </a:r>
-            <a:endParaRPr lang="zh-CN" altLang="en-US">
-              <a:latin typeface="微软雅黑" panose="020B0503020204020204" pitchFamily="34" charset="-122"/>
-              <a:ea typeface="微软雅黑" panose="020B0503020204020204" pitchFamily="34" charset="-122"/>
-            </a:endParaRPr>
           </a:p>
           <a:p>
             <a:pPr marL="0" indent="0">
@@ -21200,10 +20524,6 @@
               </a:rPr>
               <a:t>）实施、测试、度量该架构，这项分析可能检测到一些缺点或潜在的增强要求。</a:t>
             </a:r>
-            <a:endParaRPr lang="zh-CN" altLang="en-US">
-              <a:latin typeface="微软雅黑" panose="020B0503020204020204" pitchFamily="34" charset="-122"/>
-              <a:ea typeface="微软雅黑" panose="020B0503020204020204" pitchFamily="34" charset="-122"/>
-            </a:endParaRPr>
           </a:p>
           <a:p>
             <a:pPr marL="0" indent="0">
@@ -21230,10 +20550,6 @@
               </a:rPr>
               <a:t>）捕获经验教训。</a:t>
             </a:r>
-            <a:endParaRPr lang="zh-CN" altLang="en-US">
-              <a:latin typeface="微软雅黑" panose="020B0503020204020204" pitchFamily="34" charset="-122"/>
-              <a:ea typeface="微软雅黑" panose="020B0503020204020204" pitchFamily="34" charset="-122"/>
-            </a:endParaRPr>
           </a:p>
           <a:p>
             <a:pPr marL="0" indent="0">
@@ -21391,13 +20707,6 @@
   <p:transition>
     <p:cut/>
   </p:transition>
-  <p:timing>
-    <p:tnLst>
-      <p:par>
-        <p:cTn id="1" dur="indefinite" restart="never" nodeType="tmRoot"/>
-      </p:par>
-    </p:tnLst>
-  </p:timing>
 </p:sld>
 </file>
 
@@ -21431,6 +20740,7 @@
         <p:spPr/>
         <p:txBody>
           <a:bodyPr/>
+          <a:lstStyle/>
           <a:p>
             <a:r>
               <a:rPr lang="zh-CN" altLang="en-US">
@@ -21439,10 +20749,6 @@
               </a:rPr>
               <a:t>架构模型</a:t>
             </a:r>
-            <a:endParaRPr lang="zh-CN" altLang="en-US">
-              <a:latin typeface="微软雅黑" panose="020B0503020204020204" pitchFamily="34" charset="-122"/>
-              <a:ea typeface="微软雅黑" panose="020B0503020204020204" pitchFamily="34" charset="-122"/>
-            </a:endParaRPr>
           </a:p>
         </p:txBody>
       </p:sp>
@@ -21459,6 +20765,7 @@
         <p:spPr/>
         <p:txBody>
           <a:bodyPr/>
+          <a:lstStyle/>
           <a:p>
             <a:r>
               <a:rPr lang="zh-CN" altLang="en-US">
@@ -21466,6 +20773,18 @@
                 <a:ea typeface="微软雅黑" panose="020B0503020204020204" pitchFamily="34" charset="-122"/>
               </a:rPr>
               <a:t>软件架构用来处理软件高层次结构的设计和实施。它以精心选择的形式将若干结构元素进行装配，从而满足系统主要功能和性能需求，并满足其他非功能性需求，如可靠性、可伸缩性、可移植性和可用性。Perry 和 Wolfe 使用一个精确的公式来表达，该公式由 Boehm 做了进一步修改：</a:t>
+            </a:r>
+          </a:p>
+          <a:p>
+            <a:r>
+              <a:rPr lang="zh-CN" altLang="en-US">
+                <a:solidFill>
+                  <a:srgbClr val="FF0000"/>
+                </a:solidFill>
+                <a:latin typeface="微软雅黑" panose="020B0503020204020204" pitchFamily="34" charset="-122"/>
+                <a:ea typeface="微软雅黑" panose="020B0503020204020204" pitchFamily="34" charset="-122"/>
+              </a:rPr>
+              <a:t>软件架构 ＝ {元素，形式，关系/约束}</a:t>
             </a:r>
             <a:endParaRPr lang="zh-CN" altLang="en-US">
               <a:latin typeface="微软雅黑" panose="020B0503020204020204" pitchFamily="34" charset="-122"/>
@@ -21473,22 +20792,6 @@
             </a:endParaRPr>
           </a:p>
           <a:p>
-            <a:r>
-              <a:rPr lang="zh-CN" altLang="en-US">
-                <a:solidFill>
-                  <a:srgbClr val="FF0000"/>
-                </a:solidFill>
-                <a:latin typeface="微软雅黑" panose="020B0503020204020204" pitchFamily="34" charset="-122"/>
-                <a:ea typeface="微软雅黑" panose="020B0503020204020204" pitchFamily="34" charset="-122"/>
-              </a:rPr>
-              <a:t>软件架构 ＝ {元素，形式，关系/约束}</a:t>
-            </a:r>
-            <a:endParaRPr lang="zh-CN" altLang="en-US">
-              <a:latin typeface="微软雅黑" panose="020B0503020204020204" pitchFamily="34" charset="-122"/>
-              <a:ea typeface="微软雅黑" panose="020B0503020204020204" pitchFamily="34" charset="-122"/>
-            </a:endParaRPr>
-          </a:p>
-          <a:p>
             <a:pPr marL="0" indent="0">
               <a:buNone/>
             </a:pPr>
@@ -21520,10 +20823,6 @@
               </a:rPr>
               <a:t>）</a:t>
             </a:r>
-            <a:endParaRPr lang="zh-CN" altLang="en-US">
-              <a:latin typeface="微软雅黑" panose="020B0503020204020204" pitchFamily="34" charset="-122"/>
-              <a:ea typeface="微软雅黑" panose="020B0503020204020204" pitchFamily="34" charset="-122"/>
-            </a:endParaRPr>
           </a:p>
         </p:txBody>
       </p:sp>
@@ -21631,13 +20930,6 @@
   <p:transition>
     <p:cut/>
   </p:transition>
-  <p:timing>
-    <p:tnLst>
-      <p:par>
-        <p:cTn id="1" dur="indefinite" restart="never" nodeType="tmRoot"/>
-      </p:par>
-    </p:tnLst>
-  </p:timing>
 </p:sld>
 </file>
 
@@ -21671,6 +20963,7 @@
         <p:spPr/>
         <p:txBody>
           <a:bodyPr/>
+          <a:lstStyle/>
           <a:p>
             <a:r>
               <a:rPr lang="zh-CN" altLang="en-US">
@@ -21679,10 +20972,6 @@
               </a:rPr>
               <a:t>循环阶段</a:t>
             </a:r>
-            <a:endParaRPr lang="zh-CN" altLang="en-US">
-              <a:latin typeface="微软雅黑" panose="020B0503020204020204" pitchFamily="34" charset="-122"/>
-              <a:ea typeface="微软雅黑" panose="020B0503020204020204" pitchFamily="34" charset="-122"/>
-            </a:endParaRPr>
           </a:p>
         </p:txBody>
       </p:sp>
@@ -21706,6 +20995,7 @@
           <a:bodyPr>
             <a:normAutofit/>
           </a:bodyPr>
+          <a:lstStyle/>
           <a:p>
             <a:pPr marL="0" indent="0">
               <a:buNone/>
@@ -21731,10 +21021,6 @@
               </a:rPr>
               <a:t>）重新评估风险，</a:t>
             </a:r>
-            <a:endParaRPr lang="zh-CN" altLang="en-US">
-              <a:latin typeface="微软雅黑" panose="020B0503020204020204" pitchFamily="34" charset="-122"/>
-              <a:ea typeface="微软雅黑" panose="020B0503020204020204" pitchFamily="34" charset="-122"/>
-            </a:endParaRPr>
           </a:p>
           <a:p>
             <a:pPr marL="0" indent="0">
@@ -21776,10 +21062,6 @@
               </a:rPr>
               <a:t>选择板。</a:t>
             </a:r>
-            <a:endParaRPr lang="zh-CN" altLang="en-US">
-              <a:latin typeface="微软雅黑" panose="020B0503020204020204" pitchFamily="34" charset="-122"/>
-              <a:ea typeface="微软雅黑" panose="020B0503020204020204" pitchFamily="34" charset="-122"/>
-            </a:endParaRPr>
           </a:p>
           <a:p>
             <a:pPr marL="0" indent="0">
@@ -21821,10 +21103,6 @@
               </a:rPr>
               <a:t>。</a:t>
             </a:r>
-            <a:endParaRPr lang="zh-CN" altLang="en-US">
-              <a:latin typeface="微软雅黑" panose="020B0503020204020204" pitchFamily="34" charset="-122"/>
-              <a:ea typeface="微软雅黑" panose="020B0503020204020204" pitchFamily="34" charset="-122"/>
-            </a:endParaRPr>
           </a:p>
           <a:p>
             <a:pPr marL="0" indent="0">
@@ -21866,10 +21144,6 @@
               </a:rPr>
               <a:t>。</a:t>
             </a:r>
-            <a:endParaRPr lang="zh-CN" altLang="en-US">
-              <a:latin typeface="微软雅黑" panose="020B0503020204020204" pitchFamily="34" charset="-122"/>
-              <a:ea typeface="微软雅黑" panose="020B0503020204020204" pitchFamily="34" charset="-122"/>
-            </a:endParaRPr>
           </a:p>
           <a:p>
             <a:pPr marL="0" indent="0">
@@ -21911,10 +21185,6 @@
               </a:rPr>
               <a:t>所需的重要架构变更。</a:t>
             </a:r>
-            <a:endParaRPr lang="zh-CN" altLang="en-US">
-              <a:latin typeface="微软雅黑" panose="020B0503020204020204" pitchFamily="34" charset="-122"/>
-              <a:ea typeface="微软雅黑" panose="020B0503020204020204" pitchFamily="34" charset="-122"/>
-            </a:endParaRPr>
           </a:p>
           <a:p>
             <a:pPr marL="0" indent="0">
@@ -21941,10 +21211,6 @@
               </a:rPr>
               <a:t>）更新4个主要视图：逻辑视图、并发视图、部署视图和组件视图。</a:t>
             </a:r>
-            <a:endParaRPr lang="zh-CN" altLang="en-US">
-              <a:latin typeface="微软雅黑" panose="020B0503020204020204" pitchFamily="34" charset="-122"/>
-              <a:ea typeface="微软雅黑" panose="020B0503020204020204" pitchFamily="34" charset="-122"/>
-            </a:endParaRPr>
           </a:p>
           <a:p>
             <a:pPr marL="0" indent="0">
@@ -21986,10 +21252,6 @@
               </a:rPr>
               <a:t>。</a:t>
             </a:r>
-            <a:endParaRPr lang="zh-CN" altLang="en-US">
-              <a:latin typeface="微软雅黑" panose="020B0503020204020204" pitchFamily="34" charset="-122"/>
-              <a:ea typeface="微软雅黑" panose="020B0503020204020204" pitchFamily="34" charset="-122"/>
-            </a:endParaRPr>
           </a:p>
           <a:p>
             <a:pPr marL="0" indent="0">
@@ -22156,13 +21418,6 @@
   <p:transition>
     <p:cut/>
   </p:transition>
-  <p:timing>
-    <p:tnLst>
-      <p:par>
-        <p:cTn id="1" dur="indefinite" restart="never" nodeType="tmRoot"/>
-      </p:par>
-    </p:tnLst>
-  </p:timing>
 </p:sld>
 </file>
 
@@ -22201,6 +21456,7 @@
         </p:spPr>
         <p:txBody>
           <a:bodyPr/>
+          <a:lstStyle/>
           <a:p>
             <a:pPr marL="0" indent="0">
               <a:buNone/>
@@ -22522,13 +21778,6 @@
   <p:transition>
     <p:cut/>
   </p:transition>
-  <p:timing>
-    <p:tnLst>
-      <p:par>
-        <p:cTn id="1" dur="indefinite" restart="never" nodeType="tmRoot"/>
-      </p:par>
-    </p:tnLst>
-  </p:timing>
 </p:sld>
 </file>
 
@@ -22562,6 +21811,7 @@
         <p:spPr/>
         <p:txBody>
           <a:bodyPr/>
+          <a:lstStyle/>
           <a:p>
             <a:r>
               <a:rPr lang="zh-CN" altLang="en-US">
@@ -22570,10 +21820,6 @@
               </a:rPr>
               <a:t>终止循环</a:t>
             </a:r>
-            <a:endParaRPr lang="zh-CN" altLang="en-US">
-              <a:latin typeface="微软雅黑" panose="020B0503020204020204" pitchFamily="34" charset="-122"/>
-              <a:ea typeface="微软雅黑" panose="020B0503020204020204" pitchFamily="34" charset="-122"/>
-            </a:endParaRPr>
           </a:p>
         </p:txBody>
       </p:sp>
@@ -22595,8 +21841,9 @@
         </p:spPr>
         <p:txBody>
           <a:bodyPr>
-            <a:normAutofit lnSpcReduction="10000"/>
+            <a:normAutofit/>
           </a:bodyPr>
+          <a:lstStyle/>
           <a:p>
             <a:pPr marL="0" indent="0">
               <a:buNone/>
@@ -22618,10 +21865,6 @@
               </a:rPr>
               <a:t>较好的情况是在经过 2 次或 3 次迭代之后，结构变得稳定：主要的抽象都已被找到。子系统和过程都已经完成，以及所有的接口都已经实现。接下来则是软件设计的范畴，这个阶段可能也会用到相似的方法和过程。</a:t>
             </a:r>
-            <a:endParaRPr lang="zh-CN" altLang="en-US">
-              <a:latin typeface="微软雅黑" panose="020B0503020204020204" pitchFamily="34" charset="-122"/>
-              <a:ea typeface="微软雅黑" panose="020B0503020204020204" pitchFamily="34" charset="-122"/>
-            </a:endParaRPr>
           </a:p>
           <a:p>
             <a:pPr marL="0" indent="0">
@@ -22644,10 +21887,6 @@
               </a:rPr>
               <a:t>，原因在于：所实施项目的规模，参与项目人员的数量、他们对本领域和方法的熟悉程度，以及该系统和开发组织的熟悉程度等等。因而较小的项目迭代过程可能持续 2-3 周，而大型的项目可能为 6-9 个月。</a:t>
             </a:r>
-            <a:endParaRPr lang="zh-CN" altLang="en-US">
-              <a:latin typeface="微软雅黑" panose="020B0503020204020204" pitchFamily="34" charset="-122"/>
-              <a:ea typeface="微软雅黑" panose="020B0503020204020204" pitchFamily="34" charset="-122"/>
-            </a:endParaRPr>
           </a:p>
           <a:p>
             <a:pPr marL="0" indent="0">
@@ -22805,13 +22044,6 @@
   <p:transition>
     <p:cut/>
   </p:transition>
-  <p:timing>
-    <p:tnLst>
-      <p:par>
-        <p:cTn id="1" dur="indefinite" restart="never" nodeType="tmRoot"/>
-      </p:par>
-    </p:tnLst>
-  </p:timing>
 </p:sld>
 </file>
 
@@ -23152,15 +22384,6 @@
               </a:rPr>
               <a:t>第九部分</a:t>
             </a:r>
-            <a:endParaRPr lang="zh-CN" altLang="en-US" sz="6000" dirty="0">
-              <a:solidFill>
-                <a:schemeClr val="bg1">
-                  <a:lumMod val="95000"/>
-                </a:schemeClr>
-              </a:solidFill>
-              <a:latin typeface="微软雅黑" panose="020B0503020204020204" pitchFamily="34" charset="-122"/>
-              <a:ea typeface="微软雅黑" panose="020B0503020204020204" pitchFamily="34" charset="-122"/>
-            </a:endParaRPr>
           </a:p>
         </p:txBody>
       </p:sp>
@@ -23212,15 +22435,6 @@
               </a:rPr>
               <a:t>及工具使用情况</a:t>
             </a:r>
-            <a:endParaRPr lang="zh-CN" altLang="en-US" sz="3200" dirty="0">
-              <a:solidFill>
-                <a:schemeClr val="bg1">
-                  <a:lumMod val="95000"/>
-                </a:schemeClr>
-              </a:solidFill>
-              <a:latin typeface="微软雅黑" panose="020B0503020204020204" pitchFamily="34" charset="-122"/>
-              <a:ea typeface="微软雅黑" panose="020B0503020204020204" pitchFamily="34" charset="-122"/>
-            </a:endParaRPr>
           </a:p>
         </p:txBody>
       </p:sp>
@@ -23265,6 +22479,7 @@
         <p:spPr/>
         <p:txBody>
           <a:bodyPr/>
+          <a:lstStyle/>
           <a:p>
             <a:r>
               <a:rPr lang="zh-CN" altLang="en-US">
@@ -23273,10 +22488,6 @@
               </a:rPr>
               <a:t>用例图</a:t>
             </a:r>
-            <a:endParaRPr lang="zh-CN" altLang="en-US">
-              <a:latin typeface="微软雅黑" panose="020B0503020204020204" pitchFamily="34" charset="-122"/>
-              <a:ea typeface="微软雅黑" panose="020B0503020204020204" pitchFamily="34" charset="-122"/>
-            </a:endParaRPr>
           </a:p>
         </p:txBody>
       </p:sp>
@@ -23298,8 +22509,9 @@
         </p:spPr>
         <p:txBody>
           <a:bodyPr>
-            <a:normAutofit lnSpcReduction="10000"/>
+            <a:normAutofit/>
           </a:bodyPr>
+          <a:lstStyle/>
           <a:p>
             <a:pPr marL="0" indent="0">
               <a:buNone/>
@@ -23416,7 +22628,7 @@
           <p:nvPr/>
         </p:nvPicPr>
         <p:blipFill>
-          <a:blip r:embed="rId1"/>
+          <a:blip r:embed="rId2"/>
           <a:stretch>
             <a:fillRect/>
           </a:stretch>
@@ -23439,13 +22651,6 @@
   <p:transition>
     <p:fade/>
   </p:transition>
-  <p:timing>
-    <p:tnLst>
-      <p:par>
-        <p:cTn id="1" dur="indefinite" restart="never" nodeType="tmRoot"/>
-      </p:par>
-    </p:tnLst>
-  </p:timing>
 </p:sld>
 </file>
 
@@ -23479,6 +22684,7 @@
         <p:spPr/>
         <p:txBody>
           <a:bodyPr/>
+          <a:lstStyle/>
           <a:p>
             <a:r>
               <a:rPr lang="zh-CN" altLang="en-US">
@@ -23487,10 +22693,6 @@
               </a:rPr>
               <a:t>类图</a:t>
             </a:r>
-            <a:endParaRPr lang="zh-CN" altLang="en-US">
-              <a:latin typeface="微软雅黑" panose="020B0503020204020204" pitchFamily="34" charset="-122"/>
-              <a:ea typeface="微软雅黑" panose="020B0503020204020204" pitchFamily="34" charset="-122"/>
-            </a:endParaRPr>
           </a:p>
         </p:txBody>
       </p:sp>
@@ -23512,8 +22714,9 @@
         </p:spPr>
         <p:txBody>
           <a:bodyPr>
-            <a:normAutofit lnSpcReduction="10000"/>
+            <a:normAutofit/>
           </a:bodyPr>
+          <a:lstStyle/>
           <a:p>
             <a:pPr marL="0" indent="0">
               <a:buNone/>
@@ -23630,7 +22833,7 @@
           <p:nvPr/>
         </p:nvPicPr>
         <p:blipFill>
-          <a:blip r:embed="rId1"/>
+          <a:blip r:embed="rId2"/>
           <a:stretch>
             <a:fillRect/>
           </a:stretch>
@@ -23653,13 +22856,6 @@
   <p:transition>
     <p:fade/>
   </p:transition>
-  <p:timing>
-    <p:tnLst>
-      <p:par>
-        <p:cTn id="1" dur="indefinite" restart="never" nodeType="tmRoot"/>
-      </p:par>
-    </p:tnLst>
-  </p:timing>
 </p:sld>
 </file>
 
@@ -23693,6 +22889,7 @@
         <p:spPr/>
         <p:txBody>
           <a:bodyPr/>
+          <a:lstStyle/>
           <a:p>
             <a:r>
               <a:rPr lang="zh-CN" altLang="en-US">
@@ -23701,10 +22898,6 @@
               </a:rPr>
               <a:t>顺序图</a:t>
             </a:r>
-            <a:endParaRPr lang="zh-CN" altLang="en-US">
-              <a:latin typeface="微软雅黑" panose="020B0503020204020204" pitchFamily="34" charset="-122"/>
-              <a:ea typeface="微软雅黑" panose="020B0503020204020204" pitchFamily="34" charset="-122"/>
-            </a:endParaRPr>
           </a:p>
         </p:txBody>
       </p:sp>
@@ -23726,8 +22919,9 @@
         </p:spPr>
         <p:txBody>
           <a:bodyPr>
-            <a:normAutofit lnSpcReduction="10000"/>
+            <a:normAutofit/>
           </a:bodyPr>
+          <a:lstStyle/>
           <a:p>
             <a:pPr marL="0" indent="0">
               <a:buNone/>
@@ -23844,7 +23038,7 @@
           <p:nvPr/>
         </p:nvPicPr>
         <p:blipFill>
-          <a:blip r:embed="rId1"/>
+          <a:blip r:embed="rId2"/>
           <a:stretch>
             <a:fillRect/>
           </a:stretch>
@@ -23867,13 +23061,6 @@
   <p:transition>
     <p:fade/>
   </p:transition>
-  <p:timing>
-    <p:tnLst>
-      <p:par>
-        <p:cTn id="1" dur="indefinite" restart="never" nodeType="tmRoot"/>
-      </p:par>
-    </p:tnLst>
-  </p:timing>
 </p:sld>
 </file>
 
@@ -23907,6 +23094,7 @@
         <p:spPr/>
         <p:txBody>
           <a:bodyPr/>
+          <a:lstStyle/>
           <a:p>
             <a:r>
               <a:rPr lang="zh-CN" altLang="en-US">
@@ -23915,10 +23103,6 @@
               </a:rPr>
               <a:t>状态机图</a:t>
             </a:r>
-            <a:endParaRPr lang="zh-CN" altLang="en-US">
-              <a:latin typeface="微软雅黑" panose="020B0503020204020204" pitchFamily="34" charset="-122"/>
-              <a:ea typeface="微软雅黑" panose="020B0503020204020204" pitchFamily="34" charset="-122"/>
-            </a:endParaRPr>
           </a:p>
         </p:txBody>
       </p:sp>
@@ -24022,14 +23206,14 @@
         <p:nvPicPr>
           <p:cNvPr id="5" name="图片 1"/>
           <p:cNvPicPr>
-            <a:picLocks noChangeAspect="1"/>
+            <a:picLocks noGrp="1" noChangeAspect="1"/>
           </p:cNvPicPr>
           <p:nvPr>
             <p:ph idx="1"/>
           </p:nvPr>
         </p:nvPicPr>
         <p:blipFill>
-          <a:blip r:embed="rId1"/>
+          <a:blip r:embed="rId2"/>
           <a:stretch>
             <a:fillRect/>
           </a:stretch>
@@ -24052,13 +23236,6 @@
   <p:transition>
     <p:fade/>
   </p:transition>
-  <p:timing>
-    <p:tnLst>
-      <p:par>
-        <p:cTn id="1" dur="indefinite" restart="never" nodeType="tmRoot"/>
-      </p:par>
-    </p:tnLst>
-  </p:timing>
 </p:sld>
 </file>
 
@@ -24092,6 +23269,7 @@
         <p:spPr/>
         <p:txBody>
           <a:bodyPr/>
+          <a:lstStyle/>
           <a:p>
             <a:r>
               <a:rPr lang="zh-CN" altLang="en-US">
@@ -24100,10 +23278,6 @@
               </a:rPr>
               <a:t>协作图</a:t>
             </a:r>
-            <a:endParaRPr lang="zh-CN" altLang="en-US">
-              <a:latin typeface="微软雅黑" panose="020B0503020204020204" pitchFamily="34" charset="-122"/>
-              <a:ea typeface="微软雅黑" panose="020B0503020204020204" pitchFamily="34" charset="-122"/>
-            </a:endParaRPr>
           </a:p>
         </p:txBody>
       </p:sp>
@@ -24125,8 +23299,9 @@
         </p:spPr>
         <p:txBody>
           <a:bodyPr>
-            <a:normAutofit lnSpcReduction="10000"/>
+            <a:normAutofit/>
           </a:bodyPr>
+          <a:lstStyle/>
           <a:p>
             <a:pPr marL="0" indent="0">
               <a:buNone/>
@@ -24243,7 +23418,7 @@
           <p:nvPr/>
         </p:nvPicPr>
         <p:blipFill>
-          <a:blip r:embed="rId1"/>
+          <a:blip r:embed="rId2"/>
           <a:stretch>
             <a:fillRect/>
           </a:stretch>
@@ -24266,13 +23441,6 @@
   <p:transition>
     <p:fade/>
   </p:transition>
-  <p:timing>
-    <p:tnLst>
-      <p:par>
-        <p:cTn id="1" dur="indefinite" restart="never" nodeType="tmRoot"/>
-      </p:par>
-    </p:tnLst>
-  </p:timing>
 </p:sld>
 </file>
 
@@ -24613,15 +23781,6 @@
               </a:rPr>
               <a:t>第十部分</a:t>
             </a:r>
-            <a:endParaRPr lang="zh-CN" altLang="en-US" sz="6000" dirty="0">
-              <a:solidFill>
-                <a:schemeClr val="bg1">
-                  <a:lumMod val="95000"/>
-                </a:schemeClr>
-              </a:solidFill>
-              <a:latin typeface="微软雅黑" panose="020B0503020204020204" pitchFamily="34" charset="-122"/>
-              <a:ea typeface="微软雅黑" panose="020B0503020204020204" pitchFamily="34" charset="-122"/>
-            </a:endParaRPr>
           </a:p>
         </p:txBody>
       </p:sp>
@@ -24721,6 +23880,7 @@
           <a:bodyPr>
             <a:normAutofit/>
           </a:bodyPr>
+          <a:lstStyle/>
           <a:p>
             <a:r>
               <a:rPr lang="zh-CN" altLang="en-US" dirty="0">
@@ -24845,14 +24005,14 @@
         <p:nvPicPr>
           <p:cNvPr id="7" name="内容占位符 6" descr="搜狗截图20181222235847"/>
           <p:cNvPicPr>
-            <a:picLocks noChangeAspect="1"/>
+            <a:picLocks noGrp="1" noChangeAspect="1"/>
           </p:cNvPicPr>
           <p:nvPr>
             <p:ph idx="1"/>
           </p:nvPr>
         </p:nvPicPr>
         <p:blipFill>
-          <a:blip r:embed="rId1"/>
+          <a:blip r:embed="rId2"/>
           <a:stretch>
             <a:fillRect/>
           </a:stretch>
@@ -24887,6 +24047,7 @@
           <a:bodyPr wrap="square" rtlCol="0" anchor="t">
             <a:spAutoFit/>
           </a:bodyPr>
+          <a:lstStyle/>
           <a:p>
             <a:r>
               <a:rPr lang="zh-CN" altLang="en-US" sz="2400">
@@ -24896,11 +24057,6 @@
               </a:rPr>
               <a:t>每一个视图只关心系统的一个侧面，5个视图结合在一起才能反映系统的软件体系结构的全部内容。</a:t>
             </a:r>
-            <a:endParaRPr lang="zh-CN" altLang="en-US" sz="2400">
-              <a:latin typeface="微软雅黑" panose="020B0503020204020204" pitchFamily="34" charset="-122"/>
-              <a:ea typeface="微软雅黑" panose="020B0503020204020204" pitchFamily="34" charset="-122"/>
-              <a:cs typeface="微软雅黑" panose="020B0503020204020204" pitchFamily="34" charset="-122"/>
-            </a:endParaRPr>
           </a:p>
         </p:txBody>
       </p:sp>
@@ -25092,10 +24248,6 @@
               </a:rPr>
               <a:t>问答</a:t>
             </a:r>
-            <a:endParaRPr lang="zh-CN" dirty="0">
-              <a:latin typeface="微软雅黑" panose="020B0503020204020204" pitchFamily="34" charset="-122"/>
-              <a:ea typeface="微软雅黑" panose="020B0503020204020204" pitchFamily="34" charset="-122"/>
-            </a:endParaRPr>
           </a:p>
         </p:txBody>
       </p:sp>
@@ -25140,11 +24292,6 @@
               </a:rPr>
               <a:t>视图包括哪五种？</a:t>
             </a:r>
-            <a:endParaRPr lang="zh-CN" altLang="en-US" dirty="0">
-              <a:latin typeface="微软雅黑" panose="020B0503020204020204" pitchFamily="34" charset="-122"/>
-              <a:ea typeface="微软雅黑" panose="020B0503020204020204" pitchFamily="34" charset="-122"/>
-              <a:cs typeface="+mn-ea"/>
-            </a:endParaRPr>
           </a:p>
           <a:p>
             <a:pPr marL="0" indent="0">
@@ -25194,11 +24341,6 @@
               </a:rPr>
               <a:t>逻辑视图的使用者主要是哪些人？</a:t>
             </a:r>
-            <a:endParaRPr lang="zh-CN" altLang="en-US">
-              <a:latin typeface="微软雅黑" panose="020B0503020204020204" pitchFamily="34" charset="-122"/>
-              <a:ea typeface="微软雅黑" panose="020B0503020204020204" pitchFamily="34" charset="-122"/>
-              <a:sym typeface="+mn-ea"/>
-            </a:endParaRPr>
           </a:p>
           <a:p>
             <a:pPr marL="0" indent="0">
@@ -25265,11 +24407,6 @@
               </a:rPr>
               <a:t>状态机图、通信图和活动图。</a:t>
             </a:r>
-            <a:endParaRPr lang="zh-CN" altLang="en-US">
-              <a:latin typeface="微软雅黑" panose="020B0503020204020204" pitchFamily="34" charset="-122"/>
-              <a:ea typeface="微软雅黑" panose="020B0503020204020204" pitchFamily="34" charset="-122"/>
-              <a:sym typeface="+mn-ea"/>
-            </a:endParaRPr>
           </a:p>
           <a:p>
             <a:pPr marL="0" indent="0">
@@ -25302,11 +24439,6 @@
               </a:rPr>
               <a:t>逻辑架构的重要特性有哪些？</a:t>
             </a:r>
-            <a:endParaRPr lang="zh-CN" altLang="en-US">
-              <a:latin typeface="微软雅黑" panose="020B0503020204020204" pitchFamily="34" charset="-122"/>
-              <a:ea typeface="微软雅黑" panose="020B0503020204020204" pitchFamily="34" charset="-122"/>
-              <a:sym typeface="+mn-ea"/>
-            </a:endParaRPr>
           </a:p>
           <a:p>
             <a:pPr marL="0" indent="0">
@@ -26240,10 +25372,6 @@
               </a:rPr>
               <a:t>分工及评价</a:t>
             </a:r>
-            <a:endParaRPr lang="zh-CN" dirty="0">
-              <a:latin typeface="微软雅黑" panose="020B0503020204020204" pitchFamily="34" charset="-122"/>
-              <a:ea typeface="微软雅黑" panose="020B0503020204020204" pitchFamily="34" charset="-122"/>
-            </a:endParaRPr>
           </a:p>
         </p:txBody>
       </p:sp>
@@ -26265,13 +25393,145 @@
         </p:spPr>
         <p:txBody>
           <a:bodyPr>
-            <a:normAutofit lnSpcReduction="10000"/>
+            <a:normAutofit/>
           </a:bodyPr>
           <a:lstStyle/>
           <a:p>
             <a:pPr marL="0" indent="0">
               <a:buNone/>
             </a:pPr>
+            <a:r>
+              <a:rPr lang="zh-CN" altLang="en-US" dirty="0">
+                <a:latin typeface="微软雅黑" panose="020B0503020204020204" pitchFamily="34" charset="-122"/>
+                <a:ea typeface="微软雅黑" panose="020B0503020204020204" pitchFamily="34" charset="-122"/>
+                <a:cs typeface="+mn-ea"/>
+              </a:rPr>
+              <a:t>陈妍蓝：查阅资料，审核，修改</a:t>
+            </a:r>
+            <a:r>
+              <a:rPr lang="en-US" altLang="zh-CN" dirty="0">
+                <a:latin typeface="微软雅黑" panose="020B0503020204020204" pitchFamily="34" charset="-122"/>
+                <a:ea typeface="微软雅黑" panose="020B0503020204020204" pitchFamily="34" charset="-122"/>
+                <a:cs typeface="+mn-ea"/>
+              </a:rPr>
+              <a:t>PPT</a:t>
+            </a:r>
+            <a:r>
+              <a:rPr lang="zh-CN" altLang="en-US" dirty="0">
+                <a:latin typeface="微软雅黑" panose="020B0503020204020204" pitchFamily="34" charset="-122"/>
+                <a:ea typeface="微软雅黑" panose="020B0503020204020204" pitchFamily="34" charset="-122"/>
+                <a:cs typeface="+mn-ea"/>
+              </a:rPr>
+              <a:t>；</a:t>
+            </a:r>
+            <a:r>
+              <a:rPr lang="en-US" altLang="zh-CN" dirty="0">
+                <a:latin typeface="微软雅黑" panose="020B0503020204020204" pitchFamily="34" charset="-122"/>
+                <a:ea typeface="微软雅黑" panose="020B0503020204020204" pitchFamily="34" charset="-122"/>
+                <a:cs typeface="+mn-ea"/>
+              </a:rPr>
+              <a:t>77</a:t>
+            </a:r>
+          </a:p>
+          <a:p>
+            <a:pPr marL="0" indent="0">
+              <a:buNone/>
+            </a:pPr>
+            <a:r>
+              <a:rPr lang="zh-CN" altLang="en-US" dirty="0">
+                <a:latin typeface="微软雅黑" panose="020B0503020204020204" pitchFamily="34" charset="-122"/>
+                <a:ea typeface="微软雅黑" panose="020B0503020204020204" pitchFamily="34" charset="-122"/>
+                <a:cs typeface="+mn-ea"/>
+              </a:rPr>
+              <a:t>陈遵义：查阅资料，整理资料；</a:t>
+            </a:r>
+            <a:r>
+              <a:rPr lang="en-US" altLang="zh-CN" dirty="0">
+                <a:latin typeface="微软雅黑" panose="020B0503020204020204" pitchFamily="34" charset="-122"/>
+                <a:ea typeface="微软雅黑" panose="020B0503020204020204" pitchFamily="34" charset="-122"/>
+                <a:cs typeface="+mn-ea"/>
+              </a:rPr>
+              <a:t>79</a:t>
+            </a:r>
+          </a:p>
+          <a:p>
+            <a:pPr marL="0" indent="0">
+              <a:buNone/>
+            </a:pPr>
+            <a:r>
+              <a:rPr lang="zh-CN" altLang="en-US" dirty="0">
+                <a:latin typeface="微软雅黑" panose="020B0503020204020204" pitchFamily="34" charset="-122"/>
+                <a:ea typeface="微软雅黑" panose="020B0503020204020204" pitchFamily="34" charset="-122"/>
+                <a:cs typeface="+mn-ea"/>
+              </a:rPr>
+              <a:t>宋翼虎：查阅资料，制作</a:t>
+            </a:r>
+            <a:r>
+              <a:rPr lang="en-US" altLang="zh-CN" dirty="0">
+                <a:latin typeface="微软雅黑" panose="020B0503020204020204" pitchFamily="34" charset="-122"/>
+                <a:ea typeface="微软雅黑" panose="020B0503020204020204" pitchFamily="34" charset="-122"/>
+                <a:cs typeface="+mn-ea"/>
+              </a:rPr>
+              <a:t>PPT</a:t>
+            </a:r>
+            <a:r>
+              <a:rPr lang="zh-CN" altLang="en-US" dirty="0">
+                <a:latin typeface="微软雅黑" panose="020B0503020204020204" pitchFamily="34" charset="-122"/>
+                <a:ea typeface="微软雅黑" panose="020B0503020204020204" pitchFamily="34" charset="-122"/>
+                <a:cs typeface="+mn-ea"/>
+              </a:rPr>
+              <a:t>；</a:t>
+            </a:r>
+            <a:r>
+              <a:rPr lang="en-US" altLang="zh-CN" dirty="0">
+                <a:latin typeface="微软雅黑" panose="020B0503020204020204" pitchFamily="34" charset="-122"/>
+                <a:ea typeface="微软雅黑" panose="020B0503020204020204" pitchFamily="34" charset="-122"/>
+                <a:cs typeface="+mn-ea"/>
+              </a:rPr>
+              <a:t>90</a:t>
+            </a:r>
+          </a:p>
+          <a:p>
+            <a:pPr marL="0" indent="0">
+              <a:buNone/>
+            </a:pPr>
+            <a:r>
+              <a:rPr lang="zh-CN" altLang="en-US" dirty="0">
+                <a:latin typeface="微软雅黑" panose="020B0503020204020204" pitchFamily="34" charset="-122"/>
+                <a:ea typeface="微软雅黑" panose="020B0503020204020204" pitchFamily="34" charset="-122"/>
+                <a:cs typeface="+mn-ea"/>
+              </a:rPr>
+              <a:t>郑巧雁：查阅资料，整理资料；</a:t>
+            </a:r>
+            <a:r>
+              <a:rPr lang="en-US" altLang="zh-CN" dirty="0">
+                <a:latin typeface="微软雅黑" panose="020B0503020204020204" pitchFamily="34" charset="-122"/>
+                <a:ea typeface="微软雅黑" panose="020B0503020204020204" pitchFamily="34" charset="-122"/>
+                <a:cs typeface="+mn-ea"/>
+              </a:rPr>
+              <a:t>80</a:t>
+            </a:r>
+          </a:p>
+          <a:p>
+            <a:pPr marL="0" indent="0">
+              <a:buNone/>
+            </a:pPr>
+            <a:r>
+              <a:rPr lang="zh-CN" altLang="en-US" dirty="0">
+                <a:latin typeface="微软雅黑" panose="020B0503020204020204" pitchFamily="34" charset="-122"/>
+                <a:ea typeface="微软雅黑" panose="020B0503020204020204" pitchFamily="34" charset="-122"/>
+                <a:cs typeface="+mn-ea"/>
+              </a:rPr>
+              <a:t>张琪：查阅资料，整理资料；</a:t>
+            </a:r>
+            <a:r>
+              <a:rPr lang="en-US" altLang="zh-CN" dirty="0">
+                <a:latin typeface="微软雅黑" panose="020B0503020204020204" pitchFamily="34" charset="-122"/>
+                <a:ea typeface="微软雅黑" panose="020B0503020204020204" pitchFamily="34" charset="-122"/>
+                <a:cs typeface="+mn-ea"/>
+              </a:rPr>
+              <a:t>78</a:t>
+            </a:r>
             <a:endParaRPr lang="zh-CN" altLang="zh-CN" dirty="0">
               <a:latin typeface="微软雅黑" panose="020B0503020204020204" pitchFamily="34" charset="-122"/>
               <a:ea typeface="微软雅黑" panose="020B0503020204020204" pitchFamily="34" charset="-122"/>
@@ -26841,13 +26101,6 @@
               </a:rPr>
               <a:t>感谢观看</a:t>
             </a:r>
-            <a:endParaRPr lang="zh-CN" altLang="en-US" sz="8000" dirty="0">
-              <a:solidFill>
-                <a:srgbClr val="002B41"/>
-              </a:solidFill>
-              <a:latin typeface="微软雅黑" panose="020B0503020204020204" pitchFamily="34" charset="-122"/>
-              <a:ea typeface="微软雅黑" panose="020B0503020204020204" pitchFamily="34" charset="-122"/>
-            </a:endParaRPr>
           </a:p>
         </p:txBody>
       </p:sp>
@@ -27199,15 +26452,6 @@
               </a:rPr>
               <a:t>第二部分</a:t>
             </a:r>
-            <a:endParaRPr lang="zh-CN" altLang="en-US" sz="6000" dirty="0">
-              <a:solidFill>
-                <a:schemeClr val="bg1">
-                  <a:lumMod val="95000"/>
-                </a:schemeClr>
-              </a:solidFill>
-              <a:latin typeface="微软雅黑" panose="020B0503020204020204" pitchFamily="34" charset="-122"/>
-              <a:ea typeface="微软雅黑" panose="020B0503020204020204" pitchFamily="34" charset="-122"/>
-            </a:endParaRPr>
           </a:p>
         </p:txBody>
       </p:sp>
@@ -27300,6 +26544,7 @@
         <p:spPr/>
         <p:txBody>
           <a:bodyPr/>
+          <a:lstStyle/>
           <a:p>
             <a:r>
               <a:rPr lang="zh-CN" altLang="en-US">
@@ -27308,10 +26553,6 @@
               </a:rPr>
               <a:t>用例</a:t>
             </a:r>
-            <a:endParaRPr lang="zh-CN" altLang="en-US">
-              <a:latin typeface="微软雅黑" panose="020B0503020204020204" pitchFamily="34" charset="-122"/>
-              <a:ea typeface="微软雅黑" panose="020B0503020204020204" pitchFamily="34" charset="-122"/>
-            </a:endParaRPr>
           </a:p>
         </p:txBody>
       </p:sp>
@@ -27328,6 +26569,7 @@
         <p:spPr/>
         <p:txBody>
           <a:bodyPr/>
+          <a:lstStyle/>
           <a:p>
             <a:pPr marL="0" indent="0">
               <a:buNone/>
@@ -27463,7 +26705,7 @@
           <p:nvPr/>
         </p:nvPicPr>
         <p:blipFill>
-          <a:blip r:embed="rId1"/>
+          <a:blip r:embed="rId2"/>
           <a:stretch>
             <a:fillRect/>
           </a:stretch>
@@ -27602,6 +26844,7 @@
         <p:spPr/>
         <p:txBody>
           <a:bodyPr/>
+          <a:lstStyle/>
           <a:p>
             <a:r>
               <a:rPr lang="zh-CN" altLang="en-US">
@@ -27610,10 +26853,6 @@
               </a:rPr>
               <a:t>用例视图</a:t>
             </a:r>
-            <a:endParaRPr lang="zh-CN" altLang="en-US">
-              <a:latin typeface="微软雅黑" panose="020B0503020204020204" pitchFamily="34" charset="-122"/>
-              <a:ea typeface="微软雅黑" panose="020B0503020204020204" pitchFamily="34" charset="-122"/>
-            </a:endParaRPr>
           </a:p>
         </p:txBody>
       </p:sp>
@@ -27630,6 +26869,7 @@
         <p:spPr/>
         <p:txBody>
           <a:bodyPr/>
+          <a:lstStyle/>
           <a:p>
             <a:r>
               <a:rPr lang="zh-CN" altLang="en-US">
@@ -27786,108 +27026,101 @@
   <p:transition>
     <p:cut/>
   </p:transition>
-  <p:timing>
-    <p:tnLst>
-      <p:par>
-        <p:cTn id="1" dur="indefinite" restart="never" nodeType="tmRoot"/>
-      </p:par>
-    </p:tnLst>
-  </p:timing>
 </p:sld>
 </file>
 
 <file path=ppt/tags/tag1.xml><?xml version="1.0" encoding="utf-8"?>
-<p:tagLst xmlns:p="http://schemas.openxmlformats.org/presentationml/2006/main">
+<p:tagLst xmlns:a="http://schemas.openxmlformats.org/drawingml/2006/main" xmlns:r="http://schemas.openxmlformats.org/officeDocument/2006/relationships" xmlns:p="http://schemas.openxmlformats.org/presentationml/2006/main">
   <p:tag name="PA" val="v3.0.1"/>
 </p:tagLst>
 </file>
 
 <file path=ppt/tags/tag10.xml><?xml version="1.0" encoding="utf-8"?>
-<p:tagLst xmlns:p="http://schemas.openxmlformats.org/presentationml/2006/main">
+<p:tagLst xmlns:a="http://schemas.openxmlformats.org/drawingml/2006/main" xmlns:r="http://schemas.openxmlformats.org/officeDocument/2006/relationships" xmlns:p="http://schemas.openxmlformats.org/presentationml/2006/main">
   <p:tag name="PA" val="v3.0.1"/>
 </p:tagLst>
 </file>
 
 <file path=ppt/tags/tag11.xml><?xml version="1.0" encoding="utf-8"?>
-<p:tagLst xmlns:p="http://schemas.openxmlformats.org/presentationml/2006/main">
+<p:tagLst xmlns:a="http://schemas.openxmlformats.org/drawingml/2006/main" xmlns:r="http://schemas.openxmlformats.org/officeDocument/2006/relationships" xmlns:p="http://schemas.openxmlformats.org/presentationml/2006/main">
   <p:tag name="PA" val="v3.0.1"/>
 </p:tagLst>
 </file>
 
 <file path=ppt/tags/tag12.xml><?xml version="1.0" encoding="utf-8"?>
-<p:tagLst xmlns:p="http://schemas.openxmlformats.org/presentationml/2006/main">
+<p:tagLst xmlns:a="http://schemas.openxmlformats.org/drawingml/2006/main" xmlns:r="http://schemas.openxmlformats.org/officeDocument/2006/relationships" xmlns:p="http://schemas.openxmlformats.org/presentationml/2006/main">
   <p:tag name="PA" val="v3.0.1"/>
 </p:tagLst>
 </file>
 
 <file path=ppt/tags/tag13.xml><?xml version="1.0" encoding="utf-8"?>
-<p:tagLst xmlns:p="http://schemas.openxmlformats.org/presentationml/2006/main">
+<p:tagLst xmlns:a="http://schemas.openxmlformats.org/drawingml/2006/main" xmlns:r="http://schemas.openxmlformats.org/officeDocument/2006/relationships" xmlns:p="http://schemas.openxmlformats.org/presentationml/2006/main">
   <p:tag name="PA" val="v3.0.1"/>
 </p:tagLst>
 </file>
 
 <file path=ppt/tags/tag14.xml><?xml version="1.0" encoding="utf-8"?>
-<p:tagLst xmlns:p="http://schemas.openxmlformats.org/presentationml/2006/main">
+<p:tagLst xmlns:a="http://schemas.openxmlformats.org/drawingml/2006/main" xmlns:r="http://schemas.openxmlformats.org/officeDocument/2006/relationships" xmlns:p="http://schemas.openxmlformats.org/presentationml/2006/main">
   <p:tag name="PA" val="v3.0.1"/>
 </p:tagLst>
 </file>
 
 <file path=ppt/tags/tag15.xml><?xml version="1.0" encoding="utf-8"?>
-<p:tagLst xmlns:p="http://schemas.openxmlformats.org/presentationml/2006/main">
+<p:tagLst xmlns:a="http://schemas.openxmlformats.org/drawingml/2006/main" xmlns:r="http://schemas.openxmlformats.org/officeDocument/2006/relationships" xmlns:p="http://schemas.openxmlformats.org/presentationml/2006/main">
   <p:tag name="PA" val="v3.0.1"/>
 </p:tagLst>
 </file>
 
 <file path=ppt/tags/tag16.xml><?xml version="1.0" encoding="utf-8"?>
-<p:tagLst xmlns:p="http://schemas.openxmlformats.org/presentationml/2006/main">
+<p:tagLst xmlns:a="http://schemas.openxmlformats.org/drawingml/2006/main" xmlns:r="http://schemas.openxmlformats.org/officeDocument/2006/relationships" xmlns:p="http://schemas.openxmlformats.org/presentationml/2006/main">
   <p:tag name="PA" val="v3.0.1"/>
 </p:tagLst>
 </file>
 
 <file path=ppt/tags/tag2.xml><?xml version="1.0" encoding="utf-8"?>
-<p:tagLst xmlns:p="http://schemas.openxmlformats.org/presentationml/2006/main">
+<p:tagLst xmlns:a="http://schemas.openxmlformats.org/drawingml/2006/main" xmlns:r="http://schemas.openxmlformats.org/officeDocument/2006/relationships" xmlns:p="http://schemas.openxmlformats.org/presentationml/2006/main">
   <p:tag name="PA" val="v3.0.1"/>
 </p:tagLst>
 </file>
 
 <file path=ppt/tags/tag3.xml><?xml version="1.0" encoding="utf-8"?>
-<p:tagLst xmlns:p="http://schemas.openxmlformats.org/presentationml/2006/main">
+<p:tagLst xmlns:a="http://schemas.openxmlformats.org/drawingml/2006/main" xmlns:r="http://schemas.openxmlformats.org/officeDocument/2006/relationships" xmlns:p="http://schemas.openxmlformats.org/presentationml/2006/main">
   <p:tag name="PA" val="v3.0.1"/>
 </p:tagLst>
 </file>
 
 <file path=ppt/tags/tag4.xml><?xml version="1.0" encoding="utf-8"?>
-<p:tagLst xmlns:p="http://schemas.openxmlformats.org/presentationml/2006/main">
+<p:tagLst xmlns:a="http://schemas.openxmlformats.org/drawingml/2006/main" xmlns:r="http://schemas.openxmlformats.org/officeDocument/2006/relationships" xmlns:p="http://schemas.openxmlformats.org/presentationml/2006/main">
   <p:tag name="PA" val="v3.0.1"/>
 </p:tagLst>
 </file>
 
 <file path=ppt/tags/tag5.xml><?xml version="1.0" encoding="utf-8"?>
-<p:tagLst xmlns:p="http://schemas.openxmlformats.org/presentationml/2006/main">
+<p:tagLst xmlns:a="http://schemas.openxmlformats.org/drawingml/2006/main" xmlns:r="http://schemas.openxmlformats.org/officeDocument/2006/relationships" xmlns:p="http://schemas.openxmlformats.org/presentationml/2006/main">
   <p:tag name="PA" val="v3.0.1"/>
 </p:tagLst>
 </file>
 
 <file path=ppt/tags/tag6.xml><?xml version="1.0" encoding="utf-8"?>
-<p:tagLst xmlns:p="http://schemas.openxmlformats.org/presentationml/2006/main">
+<p:tagLst xmlns:a="http://schemas.openxmlformats.org/drawingml/2006/main" xmlns:r="http://schemas.openxmlformats.org/officeDocument/2006/relationships" xmlns:p="http://schemas.openxmlformats.org/presentationml/2006/main">
   <p:tag name="PA" val="v3.0.1"/>
 </p:tagLst>
 </file>
 
 <file path=ppt/tags/tag7.xml><?xml version="1.0" encoding="utf-8"?>
-<p:tagLst xmlns:p="http://schemas.openxmlformats.org/presentationml/2006/main">
+<p:tagLst xmlns:a="http://schemas.openxmlformats.org/drawingml/2006/main" xmlns:r="http://schemas.openxmlformats.org/officeDocument/2006/relationships" xmlns:p="http://schemas.openxmlformats.org/presentationml/2006/main">
   <p:tag name="PA" val="v3.0.1"/>
 </p:tagLst>
 </file>
 
 <file path=ppt/tags/tag8.xml><?xml version="1.0" encoding="utf-8"?>
-<p:tagLst xmlns:p="http://schemas.openxmlformats.org/presentationml/2006/main">
+<p:tagLst xmlns:a="http://schemas.openxmlformats.org/drawingml/2006/main" xmlns:r="http://schemas.openxmlformats.org/officeDocument/2006/relationships" xmlns:p="http://schemas.openxmlformats.org/presentationml/2006/main">
   <p:tag name="PA" val="v3.0.1"/>
 </p:tagLst>
 </file>
 
 <file path=ppt/tags/tag9.xml><?xml version="1.0" encoding="utf-8"?>
-<p:tagLst xmlns:p="http://schemas.openxmlformats.org/presentationml/2006/main">
+<p:tagLst xmlns:a="http://schemas.openxmlformats.org/drawingml/2006/main" xmlns:r="http://schemas.openxmlformats.org/officeDocument/2006/relationships" xmlns:p="http://schemas.openxmlformats.org/presentationml/2006/main">
   <p:tag name="PA" val="v3.0.1"/>
 </p:tagLst>
 </file>
@@ -28143,6 +27376,8 @@
       </a:bgFillStyleLst>
     </a:fmtScheme>
   </a:themeElements>
+  <a:objectDefaults/>
+  <a:extraClrSchemeLst/>
   <a:extLst>
     <a:ext uri="{05A4C25C-085E-4340-85A3-A5531E510DB2}">
       <thm15:themeFamily xmlns:thm15="http://schemas.microsoft.com/office/thememl/2012/main" name="Office Theme" id="{62F939B6-93AF-4DB8-9C6B-D6C7DFDC589F}" vid="{4A3C46E8-61CC-4603-A589-7422A47A8E4A}"/>
